--- a/Presentations/24.10.2019.pptx
+++ b/Presentations/24.10.2019.pptx
@@ -5,28 +5,23 @@
     <p:sldMasterId id="2147483660" r:id="rId1"/>
   </p:sldMasterIdLst>
   <p:notesMasterIdLst>
-    <p:notesMasterId r:id="rId21"/>
+    <p:notesMasterId r:id="rId16"/>
   </p:notesMasterIdLst>
   <p:sldIdLst>
     <p:sldId id="256" r:id="rId2"/>
     <p:sldId id="300" r:id="rId3"/>
-    <p:sldId id="316" r:id="rId4"/>
-    <p:sldId id="314" r:id="rId5"/>
-    <p:sldId id="312" r:id="rId6"/>
-    <p:sldId id="259" r:id="rId7"/>
-    <p:sldId id="260" r:id="rId8"/>
-    <p:sldId id="263" r:id="rId9"/>
-    <p:sldId id="262" r:id="rId10"/>
-    <p:sldId id="261" r:id="rId11"/>
-    <p:sldId id="264" r:id="rId12"/>
-    <p:sldId id="265" r:id="rId13"/>
-    <p:sldId id="266" r:id="rId14"/>
-    <p:sldId id="267" r:id="rId15"/>
-    <p:sldId id="268" r:id="rId16"/>
-    <p:sldId id="317" r:id="rId17"/>
-    <p:sldId id="319" r:id="rId18"/>
-    <p:sldId id="320" r:id="rId19"/>
-    <p:sldId id="275" r:id="rId20"/>
+    <p:sldId id="321" r:id="rId4"/>
+    <p:sldId id="323" r:id="rId5"/>
+    <p:sldId id="322" r:id="rId6"/>
+    <p:sldId id="264" r:id="rId7"/>
+    <p:sldId id="265" r:id="rId8"/>
+    <p:sldId id="266" r:id="rId9"/>
+    <p:sldId id="267" r:id="rId10"/>
+    <p:sldId id="268" r:id="rId11"/>
+    <p:sldId id="317" r:id="rId12"/>
+    <p:sldId id="319" r:id="rId13"/>
+    <p:sldId id="320" r:id="rId14"/>
+    <p:sldId id="275" r:id="rId15"/>
   </p:sldIdLst>
   <p:sldSz cx="12192000" cy="6858000"/>
   <p:notesSz cx="6858000" cy="9144000"/>
@@ -1597,7 +1592,7 @@
           </a:pPr>
           <a:r>
             <a:rPr lang="en-US" sz="1800" dirty="0"/>
-            <a:t>Camera setup</a:t>
+            <a:t>Camera setup and calibration</a:t>
           </a:r>
         </a:p>
         <a:p>
@@ -1649,7 +1644,7 @@
           </a:pPr>
           <a:r>
             <a:rPr lang="en-US" sz="1800" dirty="0"/>
-            <a:t>Preprocessing</a:t>
+            <a:t>Preprocessing and rigid alignment</a:t>
           </a:r>
         </a:p>
         <a:p>
@@ -1660,7 +1655,7 @@
           </a:pPr>
           <a:r>
             <a:rPr lang="en-US" sz="1800" dirty="0"/>
-            <a:t>10.2019</a:t>
+            <a:t>11.2019</a:t>
           </a:r>
         </a:p>
       </dgm:t>
@@ -1753,7 +1748,7 @@
           </a:pPr>
           <a:r>
             <a:rPr lang="en-US" sz="1800" dirty="0"/>
-            <a:t>Non-rigid alignment</a:t>
+            <a:t>Voxel grid (Dense and Sparse) and projection</a:t>
           </a:r>
         </a:p>
         <a:p>
@@ -1917,7 +1912,7 @@
       <dgm:spPr/>
     </dgm:pt>
     <dgm:pt modelId="{447A15F9-44BF-49C6-81D0-4E6CE0D30B07}" type="pres">
-      <dgm:prSet presAssocID="{17E5EE6B-58B3-4578-9613-6A0856A1FED7}" presName="textA" presStyleLbl="revTx" presStyleIdx="0" presStyleCnt="6" custScaleX="107855" custScaleY="26367" custLinFactNeighborX="-110" custLinFactNeighborY="52415">
+      <dgm:prSet presAssocID="{17E5EE6B-58B3-4578-9613-6A0856A1FED7}" presName="textA" presStyleLbl="revTx" presStyleIdx="0" presStyleCnt="6" custScaleX="139006" custScaleY="26367" custLinFactNeighborX="-110" custLinFactNeighborY="52415">
         <dgm:presLayoutVars>
           <dgm:bulletEnabled val="1"/>
         </dgm:presLayoutVars>
@@ -1941,7 +1936,7 @@
       <dgm:spPr/>
     </dgm:pt>
     <dgm:pt modelId="{E2811170-653C-4F13-A811-34FF690D6811}" type="pres">
-      <dgm:prSet presAssocID="{BBB6606C-96BB-4D5B-A982-C4D912A303FE}" presName="textB" presStyleLbl="revTx" presStyleIdx="1" presStyleCnt="6" custScaleX="112298" custScaleY="20915" custLinFactNeighborX="-17053" custLinFactNeighborY="-61364">
+      <dgm:prSet presAssocID="{BBB6606C-96BB-4D5B-A982-C4D912A303FE}" presName="textB" presStyleLbl="revTx" presStyleIdx="1" presStyleCnt="6" custScaleX="112298" custScaleY="20915" custLinFactNeighborX="-17053" custLinFactNeighborY="-66904">
         <dgm:presLayoutVars>
           <dgm:bulletEnabled val="1"/>
         </dgm:presLayoutVars>
@@ -1965,7 +1960,7 @@
       <dgm:spPr/>
     </dgm:pt>
     <dgm:pt modelId="{630D017C-CCD5-41D4-A7B2-B59BA31444E0}" type="pres">
-      <dgm:prSet presAssocID="{6E04EB6C-043F-40C1-A383-BB8EF5572086}" presName="textA" presStyleLbl="revTx" presStyleIdx="2" presStyleCnt="6" custScaleX="132782" custScaleY="45716" custLinFactX="41985" custLinFactY="33380" custLinFactNeighborX="100000" custLinFactNeighborY="100000">
+      <dgm:prSet presAssocID="{6E04EB6C-043F-40C1-A383-BB8EF5572086}" presName="textA" presStyleLbl="revTx" presStyleIdx="2" presStyleCnt="6" custScaleX="132782" custScaleY="45716" custLinFactX="41985" custLinFactY="41477" custLinFactNeighborX="100000" custLinFactNeighborY="100000">
         <dgm:presLayoutVars>
           <dgm:bulletEnabled val="1"/>
         </dgm:presLayoutVars>
@@ -1973,7 +1968,7 @@
       <dgm:spPr/>
     </dgm:pt>
     <dgm:pt modelId="{7C21DBE3-9B53-4D75-A451-56324EFC9FBA}" type="pres">
-      <dgm:prSet presAssocID="{6E04EB6C-043F-40C1-A383-BB8EF5572086}" presName="circleA" presStyleLbl="node1" presStyleIdx="2" presStyleCnt="6" custScaleX="50625" custScaleY="50625" custLinFactX="336363" custLinFactNeighborX="400000" custLinFactNeighborY="-17045"/>
+      <dgm:prSet presAssocID="{6E04EB6C-043F-40C1-A383-BB8EF5572086}" presName="circleA" presStyleLbl="node1" presStyleIdx="2" presStyleCnt="6" custScaleX="50625" custScaleY="50625" custLinFactX="336363" custLinFactNeighborX="400000" custLinFactNeighborY="-39204"/>
       <dgm:spPr/>
     </dgm:pt>
     <dgm:pt modelId="{AE336BDD-4571-4379-AC28-04436E8CC164}" type="pres">
@@ -1989,7 +1984,7 @@
       <dgm:spPr/>
     </dgm:pt>
     <dgm:pt modelId="{6C8DD76B-48D3-4056-B23F-E5AF30BF2FB4}" type="pres">
-      <dgm:prSet presAssocID="{0C126C06-5E8E-4F73-9448-82DEEF4F823F}" presName="textB" presStyleLbl="revTx" presStyleIdx="3" presStyleCnt="6" custScaleX="148325" custScaleY="35068" custLinFactX="-31019" custLinFactY="-34659" custLinFactNeighborX="-100000" custLinFactNeighborY="-100000">
+      <dgm:prSet presAssocID="{0C126C06-5E8E-4F73-9448-82DEEF4F823F}" presName="textB" presStyleLbl="revTx" presStyleIdx="3" presStyleCnt="6" custScaleX="148325" custScaleY="35068" custLinFactX="-31920" custLinFactY="-54688" custLinFactNeighborX="-100000" custLinFactNeighborY="-100000">
         <dgm:presLayoutVars>
           <dgm:bulletEnabled val="1"/>
         </dgm:presLayoutVars>
@@ -2013,7 +2008,7 @@
       <dgm:spPr/>
     </dgm:pt>
     <dgm:pt modelId="{EC5FC89B-D99A-4D68-82A7-3BCA0B056069}" type="pres">
-      <dgm:prSet presAssocID="{15167219-6307-4E28-8559-8D968C46DEE7}" presName="textA" presStyleLbl="revTx" presStyleIdx="4" presStyleCnt="6" custScaleX="116672" custScaleY="36186" custLinFactNeighborX="-7994" custLinFactNeighborY="50710">
+      <dgm:prSet presAssocID="{15167219-6307-4E28-8559-8D968C46DEE7}" presName="textA" presStyleLbl="revTx" presStyleIdx="4" presStyleCnt="6" custScaleX="116672" custScaleY="36186" custLinFactNeighborX="-7342" custLinFactNeighborY="45170">
         <dgm:presLayoutVars>
           <dgm:bulletEnabled val="1"/>
         </dgm:presLayoutVars>
@@ -2164,8 +2159,8 @@
       </dsp:nvSpPr>
       <dsp:spPr>
         <a:xfrm>
-          <a:off x="1650" y="1535070"/>
-          <a:ext cx="1592023" cy="571495"/>
+          <a:off x="0" y="1535070"/>
+          <a:ext cx="1969911" cy="571495"/>
         </a:xfrm>
         <a:prstGeom prst="rect">
           <a:avLst/>
@@ -2208,7 +2203,7 @@
           </a:pPr>
           <a:r>
             <a:rPr lang="en-US" sz="1800" kern="1200" dirty="0"/>
-            <a:t>Camera setup</a:t>
+            <a:t>Camera setup and calibration</a:t>
           </a:r>
         </a:p>
         <a:p>
@@ -2231,8 +2226,8 @@
         </a:p>
       </dsp:txBody>
       <dsp:txXfrm>
-        <a:off x="1650" y="1535070"/>
-        <a:ext cx="1592023" cy="571495"/>
+        <a:off x="0" y="1535070"/>
+        <a:ext cx="1969911" cy="571495"/>
       </dsp:txXfrm>
     </dsp:sp>
     <dsp:sp modelId="{7B126D81-120B-410C-9193-A1D6E67AC5EB}">
@@ -2242,7 +2237,7 @@
       </dsp:nvSpPr>
       <dsp:spPr>
         <a:xfrm>
-          <a:off x="673684" y="2053108"/>
+          <a:off x="860828" y="2053108"/>
           <a:ext cx="274320" cy="274320"/>
         </a:xfrm>
         <a:prstGeom prst="ellipse">
@@ -2291,8 +2286,8 @@
       </dsp:nvSpPr>
       <dsp:spPr>
         <a:xfrm>
-          <a:off x="1417386" y="3206761"/>
-          <a:ext cx="1657605" cy="453325"/>
+          <a:off x="1800578" y="3086684"/>
+          <a:ext cx="1591421" cy="453325"/>
         </a:xfrm>
         <a:prstGeom prst="rect">
           <a:avLst/>
@@ -2335,7 +2330,7 @@
           </a:pPr>
           <a:r>
             <a:rPr lang="en-US" sz="1800" kern="1200" dirty="0"/>
-            <a:t>Preprocessing</a:t>
+            <a:t>Preprocessing and rigid alignment</a:t>
           </a:r>
         </a:p>
         <a:p>
@@ -2353,13 +2348,13 @@
           </a:pPr>
           <a:r>
             <a:rPr lang="en-US" sz="1800" kern="1200" dirty="0"/>
-            <a:t>10.2019</a:t>
+            <a:t>11.2019</a:t>
           </a:r>
         </a:p>
       </dsp:txBody>
       <dsp:txXfrm>
-        <a:off x="1417386" y="3206761"/>
-        <a:ext cx="1657605" cy="453325"/>
+        <a:off x="1800578" y="3086684"/>
+        <a:ext cx="1591421" cy="453325"/>
       </dsp:txXfrm>
     </dsp:sp>
     <dsp:sp modelId="{027C58CE-977C-41AF-8CBD-D7DF0D872BC2}">
@@ -2369,7 +2364,7 @@
       </dsp:nvSpPr>
       <dsp:spPr>
         <a:xfrm>
-          <a:off x="2046710" y="2899108"/>
+          <a:off x="2386760" y="2899108"/>
           <a:ext cx="274320" cy="274320"/>
         </a:xfrm>
         <a:prstGeom prst="ellipse">
@@ -2418,8 +2413,8 @@
       </dsp:nvSpPr>
       <dsp:spPr>
         <a:xfrm>
-          <a:off x="5496319" y="3185114"/>
-          <a:ext cx="1959965" cy="990879"/>
+          <a:off x="5716650" y="3360613"/>
+          <a:ext cx="1881708" cy="990879"/>
         </a:xfrm>
         <a:prstGeom prst="rect">
           <a:avLst/>
@@ -2485,8 +2480,8 @@
         </a:p>
       </dsp:txBody>
       <dsp:txXfrm>
-        <a:off x="5496319" y="3185114"/>
-        <a:ext cx="1959965" cy="990879"/>
+        <a:off x="5716650" y="3360613"/>
+        <a:ext cx="1881708" cy="990879"/>
       </dsp:txXfrm>
     </dsp:sp>
     <dsp:sp modelId="{7C21DBE3-9B53-4D75-A451-56324EFC9FBA}">
@@ -2496,7 +2491,7 @@
       </dsp:nvSpPr>
       <dsp:spPr>
         <a:xfrm>
-          <a:off x="8233439" y="2185665"/>
+          <a:off x="8498322" y="2065593"/>
           <a:ext cx="274320" cy="274320"/>
         </a:xfrm>
         <a:prstGeom prst="ellipse">
@@ -2545,8 +2540,8 @@
       </dsp:nvSpPr>
       <dsp:spPr>
         <a:xfrm>
-          <a:off x="3500337" y="1388045"/>
-          <a:ext cx="2189391" cy="760087"/>
+          <a:off x="3787594" y="953923"/>
+          <a:ext cx="2101974" cy="760087"/>
         </a:xfrm>
         <a:prstGeom prst="rect">
           <a:avLst/>
@@ -2589,7 +2584,7 @@
           </a:pPr>
           <a:r>
             <a:rPr lang="en-US" sz="1800" kern="1200" dirty="0"/>
-            <a:t>Non-rigid alignment</a:t>
+            <a:t>Voxel grid (Dense and Sparse) and projection</a:t>
           </a:r>
         </a:p>
         <a:p>
@@ -2612,8 +2607,8 @@
         </a:p>
       </dsp:txBody>
       <dsp:txXfrm>
-        <a:off x="3500337" y="1388045"/>
-        <a:ext cx="2189391" cy="760087"/>
+        <a:off x="3787594" y="953923"/>
+        <a:ext cx="2101974" cy="760087"/>
       </dsp:txXfrm>
     </dsp:sp>
     <dsp:sp modelId="{21F456BC-457D-4127-B138-FD278AB29AA1}">
@@ -2623,7 +2618,7 @@
       </dsp:nvSpPr>
       <dsp:spPr>
         <a:xfrm>
-          <a:off x="4452176" y="2074273"/>
+          <a:off x="4631276" y="2074273"/>
           <a:ext cx="274320" cy="274320"/>
         </a:xfrm>
         <a:prstGeom prst="ellipse">
@@ -2672,8 +2667,8 @@
       </dsp:nvSpPr>
       <dsp:spPr>
         <a:xfrm>
-          <a:off x="7579477" y="1444909"/>
-          <a:ext cx="1722168" cy="784319"/>
+          <a:off x="7725873" y="1324831"/>
+          <a:ext cx="1653407" cy="784319"/>
         </a:xfrm>
         <a:prstGeom prst="rect">
           <a:avLst/>
@@ -2739,8 +2734,8 @@
         </a:p>
       </dsp:txBody>
       <dsp:txXfrm>
-        <a:off x="7579477" y="1444909"/>
-        <a:ext cx="1722168" cy="784319"/>
+        <a:off x="7725873" y="1324831"/>
+        <a:ext cx="1653407" cy="784319"/>
       </dsp:txXfrm>
     </dsp:sp>
     <dsp:sp modelId="{AB4A864E-4203-4C9F-810E-764B7834802D}">
@@ -2750,7 +2745,7 @@
       </dsp:nvSpPr>
       <dsp:spPr>
         <a:xfrm>
-          <a:off x="6305556" y="2863692"/>
+          <a:off x="6403620" y="2863692"/>
           <a:ext cx="274320" cy="274320"/>
         </a:xfrm>
         <a:prstGeom prst="ellipse">
@@ -2799,8 +2794,8 @@
       </dsp:nvSpPr>
       <dsp:spPr>
         <a:xfrm>
-          <a:off x="9671610" y="3158275"/>
-          <a:ext cx="1119752" cy="530314"/>
+          <a:off x="9725232" y="3158275"/>
+          <a:ext cx="1075043" cy="530314"/>
         </a:xfrm>
         <a:prstGeom prst="rect">
           <a:avLst/>
@@ -2866,8 +2861,8 @@
         </a:p>
       </dsp:txBody>
       <dsp:txXfrm>
-        <a:off x="9671610" y="3158275"/>
-        <a:ext cx="1119752" cy="530314"/>
+        <a:off x="9725232" y="3158275"/>
+        <a:ext cx="1075043" cy="530314"/>
       </dsp:txXfrm>
     </dsp:sp>
     <dsp:sp modelId="{DD423D21-0902-424D-AD87-25868FD2B11F}">
@@ -2877,7 +2872,7 @@
       </dsp:nvSpPr>
       <dsp:spPr>
         <a:xfrm>
-          <a:off x="10048143" y="2879861"/>
+          <a:off x="10079411" y="2879861"/>
           <a:ext cx="274320" cy="274320"/>
         </a:xfrm>
         <a:prstGeom prst="ellipse">
@@ -4601,7 +4596,7 @@
           <p:cNvPr id="7" name="Slide Number Placeholder 6">
             <a:extLst>
               <a:ext uri="{FF2B5EF4-FFF2-40B4-BE49-F238E27FC236}">
-                <a16:creationId xmlns:a16="http://schemas.microsoft.com/office/drawing/2014/main" id="{1899DF9E-2FF2-4EAC-B05C-A9435C8EF4D1}"/>
+                <a16:creationId xmlns:a16="http://schemas.microsoft.com/office/drawing/2014/main" id="{7DEEB28F-A7AF-4FAF-AEBD-2420CE13F715}"/>
               </a:ext>
             </a:extLst>
           </p:cNvPr>
@@ -4622,7 +4617,7 @@
           <a:lstStyle/>
           <a:p>
             <a:pPr lvl="0"/>
-            <a:fld id="{B5A303A1-F39D-4D7E-9A99-B1EDD540FB42}" type="slidenum">
+            <a:fld id="{1BA71A83-B0E3-43EA-92C2-72AB15FEB68C}" type="slidenum">
               <a:t>6</a:t>
             </a:fld>
             <a:endParaRPr lang="en-US"/>
@@ -4634,7 +4629,7 @@
           <p:cNvPr id="2" name="Slide Image Placeholder 1">
             <a:extLst>
               <a:ext uri="{FF2B5EF4-FFF2-40B4-BE49-F238E27FC236}">
-                <a16:creationId xmlns:a16="http://schemas.microsoft.com/office/drawing/2014/main" id="{4F43924C-8E33-487F-9C7A-F4E7DF88E26A}"/>
+                <a16:creationId xmlns:a16="http://schemas.microsoft.com/office/drawing/2014/main" id="{F50ED10D-DB50-448E-B3C9-7D1B72587A69}"/>
               </a:ext>
             </a:extLst>
           </p:cNvPr>
@@ -4662,7 +4657,7 @@
           <p:cNvPr id="3" name="Notes Placeholder 2">
             <a:extLst>
               <a:ext uri="{FF2B5EF4-FFF2-40B4-BE49-F238E27FC236}">
-                <a16:creationId xmlns:a16="http://schemas.microsoft.com/office/drawing/2014/main" id="{846B42BA-E95D-44EB-A9DC-4384953DFD8A}"/>
+                <a16:creationId xmlns:a16="http://schemas.microsoft.com/office/drawing/2014/main" id="{1F9C27E5-5576-4E83-9AF2-DA9D7B711AA5}"/>
               </a:ext>
             </a:extLst>
           </p:cNvPr>
@@ -4690,7 +4685,340 @@
 </p:notes>
 </file>
 
-<file path=ppt/notesSlides/notesSlide10.xml><?xml version="1.0" encoding="utf-8"?>
+<file path=ppt/notesSlides/notesSlide2.xml><?xml version="1.0" encoding="utf-8"?>
+<p:notes xmlns:a="http://schemas.openxmlformats.org/drawingml/2006/main" xmlns:r="http://schemas.openxmlformats.org/officeDocument/2006/relationships" xmlns:p="http://schemas.openxmlformats.org/presentationml/2006/main">
+  <p:cSld>
+    <p:spTree>
+      <p:nvGrpSpPr>
+        <p:cNvPr id="1" name=""/>
+        <p:cNvGrpSpPr/>
+        <p:nvPr/>
+      </p:nvGrpSpPr>
+      <p:grpSpPr>
+        <a:xfrm>
+          <a:off x="0" y="0"/>
+          <a:ext cx="0" cy="0"/>
+          <a:chOff x="0" y="0"/>
+          <a:chExt cx="0" cy="0"/>
+        </a:xfrm>
+      </p:grpSpPr>
+      <p:sp>
+        <p:nvSpPr>
+          <p:cNvPr id="7" name="Slide Number Placeholder 6">
+            <a:extLst>
+              <a:ext uri="{FF2B5EF4-FFF2-40B4-BE49-F238E27FC236}">
+                <a16:creationId xmlns:a16="http://schemas.microsoft.com/office/drawing/2014/main" id="{642384C2-5694-4F30-A8FD-D6BBEE2C4F06}"/>
+              </a:ext>
+            </a:extLst>
+          </p:cNvPr>
+          <p:cNvSpPr txBox="1">
+            <a:spLocks noGrp="1"/>
+          </p:cNvSpPr>
+          <p:nvPr>
+            <p:ph type="sldNum" sz="quarter" idx="5"/>
+          </p:nvPr>
+        </p:nvSpPr>
+        <p:spPr>
+          <a:ln/>
+        </p:spPr>
+        <p:txBody>
+          <a:bodyPr lIns="0" tIns="0" rIns="0" bIns="0" anchor="b" anchorCtr="0">
+            <a:noAutofit/>
+          </a:bodyPr>
+          <a:lstStyle/>
+          <a:p>
+            <a:pPr lvl="0"/>
+            <a:fld id="{77760FF1-822E-40C7-8CB0-2FCD42F67243}" type="slidenum">
+              <a:t>7</a:t>
+            </a:fld>
+            <a:endParaRPr lang="en-US"/>
+          </a:p>
+        </p:txBody>
+      </p:sp>
+      <p:sp>
+        <p:nvSpPr>
+          <p:cNvPr id="2" name="Slide Image Placeholder 1">
+            <a:extLst>
+              <a:ext uri="{FF2B5EF4-FFF2-40B4-BE49-F238E27FC236}">
+                <a16:creationId xmlns:a16="http://schemas.microsoft.com/office/drawing/2014/main" id="{6FCE180F-18D5-4D0A-BED1-5535BC84D7BF}"/>
+              </a:ext>
+            </a:extLst>
+          </p:cNvPr>
+          <p:cNvSpPr>
+            <a:spLocks noGrp="1" noRot="1" noChangeAspect="1" noResize="1"/>
+          </p:cNvSpPr>
+          <p:nvPr>
+            <p:ph type="sldImg"/>
+          </p:nvPr>
+        </p:nvSpPr>
+        <p:spPr>
+          <a:solidFill>
+            <a:srgbClr val="729FCF"/>
+          </a:solidFill>
+          <a:ln w="25400">
+            <a:solidFill>
+              <a:srgbClr val="3465A4"/>
+            </a:solidFill>
+            <a:prstDash val="solid"/>
+          </a:ln>
+        </p:spPr>
+      </p:sp>
+      <p:sp>
+        <p:nvSpPr>
+          <p:cNvPr id="3" name="Notes Placeholder 2">
+            <a:extLst>
+              <a:ext uri="{FF2B5EF4-FFF2-40B4-BE49-F238E27FC236}">
+                <a16:creationId xmlns:a16="http://schemas.microsoft.com/office/drawing/2014/main" id="{BCD273F2-3487-4537-BEA8-A14010CFD9E3}"/>
+              </a:ext>
+            </a:extLst>
+          </p:cNvPr>
+          <p:cNvSpPr txBox="1">
+            <a:spLocks noGrp="1"/>
+          </p:cNvSpPr>
+          <p:nvPr>
+            <p:ph type="body" sz="quarter" idx="1"/>
+          </p:nvPr>
+        </p:nvSpPr>
+        <p:spPr/>
+        <p:txBody>
+          <a:bodyPr/>
+          <a:lstStyle/>
+          <a:p>
+            <a:endParaRPr lang="en-US"/>
+          </a:p>
+        </p:txBody>
+      </p:sp>
+    </p:spTree>
+  </p:cSld>
+  <p:clrMapOvr>
+    <a:masterClrMapping/>
+  </p:clrMapOvr>
+</p:notes>
+</file>
+
+<file path=ppt/notesSlides/notesSlide3.xml><?xml version="1.0" encoding="utf-8"?>
+<p:notes xmlns:a="http://schemas.openxmlformats.org/drawingml/2006/main" xmlns:r="http://schemas.openxmlformats.org/officeDocument/2006/relationships" xmlns:p="http://schemas.openxmlformats.org/presentationml/2006/main">
+  <p:cSld>
+    <p:spTree>
+      <p:nvGrpSpPr>
+        <p:cNvPr id="1" name=""/>
+        <p:cNvGrpSpPr/>
+        <p:nvPr/>
+      </p:nvGrpSpPr>
+      <p:grpSpPr>
+        <a:xfrm>
+          <a:off x="0" y="0"/>
+          <a:ext cx="0" cy="0"/>
+          <a:chOff x="0" y="0"/>
+          <a:chExt cx="0" cy="0"/>
+        </a:xfrm>
+      </p:grpSpPr>
+      <p:sp>
+        <p:nvSpPr>
+          <p:cNvPr id="7" name="Slide Number Placeholder 6">
+            <a:extLst>
+              <a:ext uri="{FF2B5EF4-FFF2-40B4-BE49-F238E27FC236}">
+                <a16:creationId xmlns:a16="http://schemas.microsoft.com/office/drawing/2014/main" id="{FF3B7B1A-2AF3-45DA-BA10-C5D2B62800B0}"/>
+              </a:ext>
+            </a:extLst>
+          </p:cNvPr>
+          <p:cNvSpPr txBox="1">
+            <a:spLocks noGrp="1"/>
+          </p:cNvSpPr>
+          <p:nvPr>
+            <p:ph type="sldNum" sz="quarter" idx="5"/>
+          </p:nvPr>
+        </p:nvSpPr>
+        <p:spPr>
+          <a:ln/>
+        </p:spPr>
+        <p:txBody>
+          <a:bodyPr lIns="0" tIns="0" rIns="0" bIns="0" anchor="b" anchorCtr="0">
+            <a:noAutofit/>
+          </a:bodyPr>
+          <a:lstStyle/>
+          <a:p>
+            <a:pPr lvl="0"/>
+            <a:fld id="{12302E79-5FD1-4C68-86CD-342CCD22592F}" type="slidenum">
+              <a:t>8</a:t>
+            </a:fld>
+            <a:endParaRPr lang="en-US"/>
+          </a:p>
+        </p:txBody>
+      </p:sp>
+      <p:sp>
+        <p:nvSpPr>
+          <p:cNvPr id="2" name="Slide Image Placeholder 1">
+            <a:extLst>
+              <a:ext uri="{FF2B5EF4-FFF2-40B4-BE49-F238E27FC236}">
+                <a16:creationId xmlns:a16="http://schemas.microsoft.com/office/drawing/2014/main" id="{89CB36FC-AD3A-4B1F-9813-3328883E7606}"/>
+              </a:ext>
+            </a:extLst>
+          </p:cNvPr>
+          <p:cNvSpPr>
+            <a:spLocks noGrp="1" noRot="1" noChangeAspect="1" noResize="1"/>
+          </p:cNvSpPr>
+          <p:nvPr>
+            <p:ph type="sldImg"/>
+          </p:nvPr>
+        </p:nvSpPr>
+        <p:spPr>
+          <a:solidFill>
+            <a:srgbClr val="729FCF"/>
+          </a:solidFill>
+          <a:ln w="25400">
+            <a:solidFill>
+              <a:srgbClr val="3465A4"/>
+            </a:solidFill>
+            <a:prstDash val="solid"/>
+          </a:ln>
+        </p:spPr>
+      </p:sp>
+      <p:sp>
+        <p:nvSpPr>
+          <p:cNvPr id="3" name="Notes Placeholder 2">
+            <a:extLst>
+              <a:ext uri="{FF2B5EF4-FFF2-40B4-BE49-F238E27FC236}">
+                <a16:creationId xmlns:a16="http://schemas.microsoft.com/office/drawing/2014/main" id="{C8F961E3-32D7-45EE-B0B9-A1D38DF449CC}"/>
+              </a:ext>
+            </a:extLst>
+          </p:cNvPr>
+          <p:cNvSpPr txBox="1">
+            <a:spLocks noGrp="1"/>
+          </p:cNvSpPr>
+          <p:nvPr>
+            <p:ph type="body" sz="quarter" idx="1"/>
+          </p:nvPr>
+        </p:nvSpPr>
+        <p:spPr/>
+        <p:txBody>
+          <a:bodyPr/>
+          <a:lstStyle/>
+          <a:p>
+            <a:endParaRPr lang="en-US"/>
+          </a:p>
+        </p:txBody>
+      </p:sp>
+    </p:spTree>
+  </p:cSld>
+  <p:clrMapOvr>
+    <a:masterClrMapping/>
+  </p:clrMapOvr>
+</p:notes>
+</file>
+
+<file path=ppt/notesSlides/notesSlide4.xml><?xml version="1.0" encoding="utf-8"?>
+<p:notes xmlns:a="http://schemas.openxmlformats.org/drawingml/2006/main" xmlns:r="http://schemas.openxmlformats.org/officeDocument/2006/relationships" xmlns:p="http://schemas.openxmlformats.org/presentationml/2006/main">
+  <p:cSld>
+    <p:spTree>
+      <p:nvGrpSpPr>
+        <p:cNvPr id="1" name=""/>
+        <p:cNvGrpSpPr/>
+        <p:nvPr/>
+      </p:nvGrpSpPr>
+      <p:grpSpPr>
+        <a:xfrm>
+          <a:off x="0" y="0"/>
+          <a:ext cx="0" cy="0"/>
+          <a:chOff x="0" y="0"/>
+          <a:chExt cx="0" cy="0"/>
+        </a:xfrm>
+      </p:grpSpPr>
+      <p:sp>
+        <p:nvSpPr>
+          <p:cNvPr id="7" name="Slide Number Placeholder 6">
+            <a:extLst>
+              <a:ext uri="{FF2B5EF4-FFF2-40B4-BE49-F238E27FC236}">
+                <a16:creationId xmlns:a16="http://schemas.microsoft.com/office/drawing/2014/main" id="{5EA0CFF2-36E0-4A51-B685-31EFB82560FB}"/>
+              </a:ext>
+            </a:extLst>
+          </p:cNvPr>
+          <p:cNvSpPr txBox="1">
+            <a:spLocks noGrp="1"/>
+          </p:cNvSpPr>
+          <p:nvPr>
+            <p:ph type="sldNum" sz="quarter" idx="5"/>
+          </p:nvPr>
+        </p:nvSpPr>
+        <p:spPr>
+          <a:ln/>
+        </p:spPr>
+        <p:txBody>
+          <a:bodyPr lIns="0" tIns="0" rIns="0" bIns="0" anchor="b" anchorCtr="0">
+            <a:noAutofit/>
+          </a:bodyPr>
+          <a:lstStyle/>
+          <a:p>
+            <a:pPr lvl="0"/>
+            <a:fld id="{3C5DD3B5-180C-4807-9B11-CACF1DC42CDC}" type="slidenum">
+              <a:t>9</a:t>
+            </a:fld>
+            <a:endParaRPr lang="en-US"/>
+          </a:p>
+        </p:txBody>
+      </p:sp>
+      <p:sp>
+        <p:nvSpPr>
+          <p:cNvPr id="2" name="Slide Image Placeholder 1">
+            <a:extLst>
+              <a:ext uri="{FF2B5EF4-FFF2-40B4-BE49-F238E27FC236}">
+                <a16:creationId xmlns:a16="http://schemas.microsoft.com/office/drawing/2014/main" id="{D2C3B356-98F1-4C79-A582-CD518D0FF898}"/>
+              </a:ext>
+            </a:extLst>
+          </p:cNvPr>
+          <p:cNvSpPr>
+            <a:spLocks noGrp="1" noRot="1" noChangeAspect="1" noResize="1"/>
+          </p:cNvSpPr>
+          <p:nvPr>
+            <p:ph type="sldImg"/>
+          </p:nvPr>
+        </p:nvSpPr>
+        <p:spPr>
+          <a:solidFill>
+            <a:srgbClr val="729FCF"/>
+          </a:solidFill>
+          <a:ln w="25400">
+            <a:solidFill>
+              <a:srgbClr val="3465A4"/>
+            </a:solidFill>
+            <a:prstDash val="solid"/>
+          </a:ln>
+        </p:spPr>
+      </p:sp>
+      <p:sp>
+        <p:nvSpPr>
+          <p:cNvPr id="3" name="Notes Placeholder 2">
+            <a:extLst>
+              <a:ext uri="{FF2B5EF4-FFF2-40B4-BE49-F238E27FC236}">
+                <a16:creationId xmlns:a16="http://schemas.microsoft.com/office/drawing/2014/main" id="{80A72268-05A1-4296-A9F3-DE3AE7738956}"/>
+              </a:ext>
+            </a:extLst>
+          </p:cNvPr>
+          <p:cNvSpPr txBox="1">
+            <a:spLocks noGrp="1"/>
+          </p:cNvSpPr>
+          <p:nvPr>
+            <p:ph type="body" sz="quarter" idx="1"/>
+          </p:nvPr>
+        </p:nvSpPr>
+        <p:spPr/>
+        <p:txBody>
+          <a:bodyPr/>
+          <a:lstStyle/>
+          <a:p>
+            <a:endParaRPr lang="en-US"/>
+          </a:p>
+        </p:txBody>
+      </p:sp>
+    </p:spTree>
+  </p:cSld>
+  <p:clrMapOvr>
+    <a:masterClrMapping/>
+  </p:clrMapOvr>
+</p:notes>
+</file>
+
+<file path=ppt/notesSlides/notesSlide5.xml><?xml version="1.0" encoding="utf-8"?>
 <p:notes xmlns:a="http://schemas.openxmlformats.org/drawingml/2006/main" xmlns:r="http://schemas.openxmlformats.org/officeDocument/2006/relationships" xmlns:p="http://schemas.openxmlformats.org/presentationml/2006/main">
   <p:cSld>
     <p:spTree>
@@ -4734,7 +5062,7 @@
           <a:p>
             <a:pPr lvl="0"/>
             <a:fld id="{3F1C173C-DECA-4F72-AE27-DAF59AC5DC17}" type="slidenum">
-              <a:t>15</a:t>
+              <a:t>10</a:t>
             </a:fld>
             <a:endParaRPr lang="en-US"/>
           </a:p>
@@ -4801,7 +5129,7 @@
 </p:notes>
 </file>
 
-<file path=ppt/notesSlides/notesSlide11.xml><?xml version="1.0" encoding="utf-8"?>
+<file path=ppt/notesSlides/notesSlide6.xml><?xml version="1.0" encoding="utf-8"?>
 <p:notes xmlns:a="http://schemas.openxmlformats.org/drawingml/2006/main" xmlns:r="http://schemas.openxmlformats.org/officeDocument/2006/relationships" xmlns:p="http://schemas.openxmlformats.org/presentationml/2006/main">
   <p:cSld>
     <p:spTree>
@@ -4845,7 +5173,7 @@
           <a:p>
             <a:pPr lvl="0"/>
             <a:fld id="{4165EB73-FC66-4C42-862C-AEF5A29192C5}" type="slidenum">
-              <a:t>16</a:t>
+              <a:t>11</a:t>
             </a:fld>
             <a:endParaRPr lang="en-US"/>
           </a:p>
@@ -4917,7 +5245,7 @@
 </p:notes>
 </file>
 
-<file path=ppt/notesSlides/notesSlide12.xml><?xml version="1.0" encoding="utf-8"?>
+<file path=ppt/notesSlides/notesSlide7.xml><?xml version="1.0" encoding="utf-8"?>
 <p:notes xmlns:a="http://schemas.openxmlformats.org/drawingml/2006/main" xmlns:r="http://schemas.openxmlformats.org/officeDocument/2006/relationships" xmlns:p="http://schemas.openxmlformats.org/presentationml/2006/main">
   <p:cSld>
     <p:spTree>
@@ -4961,7 +5289,7 @@
           <a:p>
             <a:pPr lvl="0"/>
             <a:fld id="{4165EB73-FC66-4C42-862C-AEF5A29192C5}" type="slidenum">
-              <a:t>17</a:t>
+              <a:t>12</a:t>
             </a:fld>
             <a:endParaRPr lang="en-US"/>
           </a:p>
@@ -5033,7 +5361,7 @@
 </p:notes>
 </file>
 
-<file path=ppt/notesSlides/notesSlide13.xml><?xml version="1.0" encoding="utf-8"?>
+<file path=ppt/notesSlides/notesSlide8.xml><?xml version="1.0" encoding="utf-8"?>
 <p:notes xmlns:a="http://schemas.openxmlformats.org/drawingml/2006/main" xmlns:r="http://schemas.openxmlformats.org/officeDocument/2006/relationships" xmlns:p="http://schemas.openxmlformats.org/presentationml/2006/main">
   <p:cSld>
     <p:spTree>
@@ -5077,7 +5405,7 @@
           <a:p>
             <a:pPr lvl="0"/>
             <a:fld id="{4165EB73-FC66-4C42-862C-AEF5A29192C5}" type="slidenum">
-              <a:t>18</a:t>
+              <a:t>13</a:t>
             </a:fld>
             <a:endParaRPr lang="en-US"/>
           </a:p>
@@ -5142,894 +5470,6 @@
         <p14:creationId xmlns:p14="http://schemas.microsoft.com/office/powerpoint/2010/main" val="1979431091"/>
       </p:ext>
     </p:extLst>
-  </p:cSld>
-  <p:clrMapOvr>
-    <a:masterClrMapping/>
-  </p:clrMapOvr>
-</p:notes>
-</file>
-
-<file path=ppt/notesSlides/notesSlide2.xml><?xml version="1.0" encoding="utf-8"?>
-<p:notes xmlns:a="http://schemas.openxmlformats.org/drawingml/2006/main" xmlns:r="http://schemas.openxmlformats.org/officeDocument/2006/relationships" xmlns:p="http://schemas.openxmlformats.org/presentationml/2006/main">
-  <p:cSld>
-    <p:spTree>
-      <p:nvGrpSpPr>
-        <p:cNvPr id="1" name=""/>
-        <p:cNvGrpSpPr/>
-        <p:nvPr/>
-      </p:nvGrpSpPr>
-      <p:grpSpPr>
-        <a:xfrm>
-          <a:off x="0" y="0"/>
-          <a:ext cx="0" cy="0"/>
-          <a:chOff x="0" y="0"/>
-          <a:chExt cx="0" cy="0"/>
-        </a:xfrm>
-      </p:grpSpPr>
-      <p:sp>
-        <p:nvSpPr>
-          <p:cNvPr id="7" name="Slide Number Placeholder 6">
-            <a:extLst>
-              <a:ext uri="{FF2B5EF4-FFF2-40B4-BE49-F238E27FC236}">
-                <a16:creationId xmlns:a16="http://schemas.microsoft.com/office/drawing/2014/main" id="{5EF7547E-E689-4B98-B39A-551C215FDE22}"/>
-              </a:ext>
-            </a:extLst>
-          </p:cNvPr>
-          <p:cNvSpPr txBox="1">
-            <a:spLocks noGrp="1"/>
-          </p:cNvSpPr>
-          <p:nvPr>
-            <p:ph type="sldNum" sz="quarter" idx="5"/>
-          </p:nvPr>
-        </p:nvSpPr>
-        <p:spPr>
-          <a:ln/>
-        </p:spPr>
-        <p:txBody>
-          <a:bodyPr lIns="0" tIns="0" rIns="0" bIns="0" anchor="b" anchorCtr="0">
-            <a:noAutofit/>
-          </a:bodyPr>
-          <a:lstStyle/>
-          <a:p>
-            <a:pPr lvl="0"/>
-            <a:fld id="{2E34D566-1DD1-4320-8402-31E0CEA646B7}" type="slidenum">
-              <a:t>7</a:t>
-            </a:fld>
-            <a:endParaRPr lang="en-US"/>
-          </a:p>
-        </p:txBody>
-      </p:sp>
-      <p:sp>
-        <p:nvSpPr>
-          <p:cNvPr id="2" name="Slide Image Placeholder 1">
-            <a:extLst>
-              <a:ext uri="{FF2B5EF4-FFF2-40B4-BE49-F238E27FC236}">
-                <a16:creationId xmlns:a16="http://schemas.microsoft.com/office/drawing/2014/main" id="{D2CB289B-427E-4FA1-98B9-C4F7E696F51A}"/>
-              </a:ext>
-            </a:extLst>
-          </p:cNvPr>
-          <p:cNvSpPr>
-            <a:spLocks noGrp="1" noRot="1" noChangeAspect="1" noResize="1"/>
-          </p:cNvSpPr>
-          <p:nvPr>
-            <p:ph type="sldImg"/>
-          </p:nvPr>
-        </p:nvSpPr>
-        <p:spPr>
-          <a:solidFill>
-            <a:srgbClr val="729FCF"/>
-          </a:solidFill>
-          <a:ln w="25400">
-            <a:solidFill>
-              <a:srgbClr val="3465A4"/>
-            </a:solidFill>
-            <a:prstDash val="solid"/>
-          </a:ln>
-        </p:spPr>
-      </p:sp>
-      <p:sp>
-        <p:nvSpPr>
-          <p:cNvPr id="3" name="Notes Placeholder 2">
-            <a:extLst>
-              <a:ext uri="{FF2B5EF4-FFF2-40B4-BE49-F238E27FC236}">
-                <a16:creationId xmlns:a16="http://schemas.microsoft.com/office/drawing/2014/main" id="{9099F512-1F3A-4059-8E3F-02D5E01B6C05}"/>
-              </a:ext>
-            </a:extLst>
-          </p:cNvPr>
-          <p:cNvSpPr txBox="1">
-            <a:spLocks noGrp="1"/>
-          </p:cNvSpPr>
-          <p:nvPr>
-            <p:ph type="body" sz="quarter" idx="1"/>
-          </p:nvPr>
-        </p:nvSpPr>
-        <p:spPr/>
-        <p:txBody>
-          <a:bodyPr/>
-          <a:lstStyle/>
-          <a:p>
-            <a:endParaRPr lang="en-US"/>
-          </a:p>
-        </p:txBody>
-      </p:sp>
-    </p:spTree>
-  </p:cSld>
-  <p:clrMapOvr>
-    <a:masterClrMapping/>
-  </p:clrMapOvr>
-</p:notes>
-</file>
-
-<file path=ppt/notesSlides/notesSlide3.xml><?xml version="1.0" encoding="utf-8"?>
-<p:notes xmlns:a="http://schemas.openxmlformats.org/drawingml/2006/main" xmlns:r="http://schemas.openxmlformats.org/officeDocument/2006/relationships" xmlns:p="http://schemas.openxmlformats.org/presentationml/2006/main">
-  <p:cSld>
-    <p:spTree>
-      <p:nvGrpSpPr>
-        <p:cNvPr id="1" name=""/>
-        <p:cNvGrpSpPr/>
-        <p:nvPr/>
-      </p:nvGrpSpPr>
-      <p:grpSpPr>
-        <a:xfrm>
-          <a:off x="0" y="0"/>
-          <a:ext cx="0" cy="0"/>
-          <a:chOff x="0" y="0"/>
-          <a:chExt cx="0" cy="0"/>
-        </a:xfrm>
-      </p:grpSpPr>
-      <p:sp>
-        <p:nvSpPr>
-          <p:cNvPr id="7" name="Slide Number Placeholder 6">
-            <a:extLst>
-              <a:ext uri="{FF2B5EF4-FFF2-40B4-BE49-F238E27FC236}">
-                <a16:creationId xmlns:a16="http://schemas.microsoft.com/office/drawing/2014/main" id="{5540275A-3720-440C-9B39-769CC4116D16}"/>
-              </a:ext>
-            </a:extLst>
-          </p:cNvPr>
-          <p:cNvSpPr txBox="1">
-            <a:spLocks noGrp="1"/>
-          </p:cNvSpPr>
-          <p:nvPr>
-            <p:ph type="sldNum" sz="quarter" idx="5"/>
-          </p:nvPr>
-        </p:nvSpPr>
-        <p:spPr>
-          <a:ln/>
-        </p:spPr>
-        <p:txBody>
-          <a:bodyPr lIns="0" tIns="0" rIns="0" bIns="0" anchor="b" anchorCtr="0">
-            <a:noAutofit/>
-          </a:bodyPr>
-          <a:lstStyle/>
-          <a:p>
-            <a:pPr lvl="0"/>
-            <a:fld id="{0C933B57-C9A9-40E6-B95F-AEE6DCF5EEB3}" type="slidenum">
-              <a:t>8</a:t>
-            </a:fld>
-            <a:endParaRPr lang="en-US"/>
-          </a:p>
-        </p:txBody>
-      </p:sp>
-      <p:sp>
-        <p:nvSpPr>
-          <p:cNvPr id="2" name="Slide Image Placeholder 1">
-            <a:extLst>
-              <a:ext uri="{FF2B5EF4-FFF2-40B4-BE49-F238E27FC236}">
-                <a16:creationId xmlns:a16="http://schemas.microsoft.com/office/drawing/2014/main" id="{A403C331-07BA-4D5B-BFD9-BEF893958972}"/>
-              </a:ext>
-            </a:extLst>
-          </p:cNvPr>
-          <p:cNvSpPr>
-            <a:spLocks noGrp="1" noRot="1" noChangeAspect="1" noResize="1"/>
-          </p:cNvSpPr>
-          <p:nvPr>
-            <p:ph type="sldImg"/>
-          </p:nvPr>
-        </p:nvSpPr>
-        <p:spPr>
-          <a:solidFill>
-            <a:srgbClr val="729FCF"/>
-          </a:solidFill>
-          <a:ln w="25400">
-            <a:solidFill>
-              <a:srgbClr val="3465A4"/>
-            </a:solidFill>
-            <a:prstDash val="solid"/>
-          </a:ln>
-        </p:spPr>
-      </p:sp>
-      <p:sp>
-        <p:nvSpPr>
-          <p:cNvPr id="3" name="Notes Placeholder 2">
-            <a:extLst>
-              <a:ext uri="{FF2B5EF4-FFF2-40B4-BE49-F238E27FC236}">
-                <a16:creationId xmlns:a16="http://schemas.microsoft.com/office/drawing/2014/main" id="{1AD27523-2FEB-412B-9CD6-4E7B0A7918C4}"/>
-              </a:ext>
-            </a:extLst>
-          </p:cNvPr>
-          <p:cNvSpPr txBox="1">
-            <a:spLocks noGrp="1"/>
-          </p:cNvSpPr>
-          <p:nvPr>
-            <p:ph type="body" sz="quarter" idx="1"/>
-          </p:nvPr>
-        </p:nvSpPr>
-        <p:spPr/>
-        <p:txBody>
-          <a:bodyPr/>
-          <a:lstStyle/>
-          <a:p>
-            <a:endParaRPr lang="en-US"/>
-          </a:p>
-        </p:txBody>
-      </p:sp>
-    </p:spTree>
-  </p:cSld>
-  <p:clrMapOvr>
-    <a:masterClrMapping/>
-  </p:clrMapOvr>
-</p:notes>
-</file>
-
-<file path=ppt/notesSlides/notesSlide4.xml><?xml version="1.0" encoding="utf-8"?>
-<p:notes xmlns:a="http://schemas.openxmlformats.org/drawingml/2006/main" xmlns:r="http://schemas.openxmlformats.org/officeDocument/2006/relationships" xmlns:p="http://schemas.openxmlformats.org/presentationml/2006/main">
-  <p:cSld>
-    <p:spTree>
-      <p:nvGrpSpPr>
-        <p:cNvPr id="1" name=""/>
-        <p:cNvGrpSpPr/>
-        <p:nvPr/>
-      </p:nvGrpSpPr>
-      <p:grpSpPr>
-        <a:xfrm>
-          <a:off x="0" y="0"/>
-          <a:ext cx="0" cy="0"/>
-          <a:chOff x="0" y="0"/>
-          <a:chExt cx="0" cy="0"/>
-        </a:xfrm>
-      </p:grpSpPr>
-      <p:sp>
-        <p:nvSpPr>
-          <p:cNvPr id="7" name="Slide Number Placeholder 6">
-            <a:extLst>
-              <a:ext uri="{FF2B5EF4-FFF2-40B4-BE49-F238E27FC236}">
-                <a16:creationId xmlns:a16="http://schemas.microsoft.com/office/drawing/2014/main" id="{4BE743EE-0846-4C40-8842-DB48358223CF}"/>
-              </a:ext>
-            </a:extLst>
-          </p:cNvPr>
-          <p:cNvSpPr txBox="1">
-            <a:spLocks noGrp="1"/>
-          </p:cNvSpPr>
-          <p:nvPr>
-            <p:ph type="sldNum" sz="quarter" idx="5"/>
-          </p:nvPr>
-        </p:nvSpPr>
-        <p:spPr>
-          <a:ln/>
-        </p:spPr>
-        <p:txBody>
-          <a:bodyPr lIns="0" tIns="0" rIns="0" bIns="0" anchor="b" anchorCtr="0">
-            <a:noAutofit/>
-          </a:bodyPr>
-          <a:lstStyle/>
-          <a:p>
-            <a:pPr lvl="0"/>
-            <a:fld id="{7A0197F8-6A2E-4038-8787-35314EB1D30E}" type="slidenum">
-              <a:t>9</a:t>
-            </a:fld>
-            <a:endParaRPr lang="en-US"/>
-          </a:p>
-        </p:txBody>
-      </p:sp>
-      <p:sp>
-        <p:nvSpPr>
-          <p:cNvPr id="2" name="Slide Image Placeholder 1">
-            <a:extLst>
-              <a:ext uri="{FF2B5EF4-FFF2-40B4-BE49-F238E27FC236}">
-                <a16:creationId xmlns:a16="http://schemas.microsoft.com/office/drawing/2014/main" id="{62F8B0B1-E78F-4531-8291-98F01C9E806A}"/>
-              </a:ext>
-            </a:extLst>
-          </p:cNvPr>
-          <p:cNvSpPr>
-            <a:spLocks noGrp="1" noRot="1" noChangeAspect="1" noResize="1"/>
-          </p:cNvSpPr>
-          <p:nvPr>
-            <p:ph type="sldImg"/>
-          </p:nvPr>
-        </p:nvSpPr>
-        <p:spPr>
-          <a:solidFill>
-            <a:srgbClr val="729FCF"/>
-          </a:solidFill>
-          <a:ln w="25400">
-            <a:solidFill>
-              <a:srgbClr val="3465A4"/>
-            </a:solidFill>
-            <a:prstDash val="solid"/>
-          </a:ln>
-        </p:spPr>
-      </p:sp>
-      <p:sp>
-        <p:nvSpPr>
-          <p:cNvPr id="3" name="Notes Placeholder 2">
-            <a:extLst>
-              <a:ext uri="{FF2B5EF4-FFF2-40B4-BE49-F238E27FC236}">
-                <a16:creationId xmlns:a16="http://schemas.microsoft.com/office/drawing/2014/main" id="{3D5694DB-4A56-4CAB-9102-5A7C2EA1D23C}"/>
-              </a:ext>
-            </a:extLst>
-          </p:cNvPr>
-          <p:cNvSpPr txBox="1">
-            <a:spLocks noGrp="1"/>
-          </p:cNvSpPr>
-          <p:nvPr>
-            <p:ph type="body" sz="quarter" idx="1"/>
-          </p:nvPr>
-        </p:nvSpPr>
-        <p:spPr/>
-        <p:txBody>
-          <a:bodyPr/>
-          <a:lstStyle/>
-          <a:p>
-            <a:endParaRPr lang="en-US"/>
-          </a:p>
-        </p:txBody>
-      </p:sp>
-    </p:spTree>
-  </p:cSld>
-  <p:clrMapOvr>
-    <a:masterClrMapping/>
-  </p:clrMapOvr>
-</p:notes>
-</file>
-
-<file path=ppt/notesSlides/notesSlide5.xml><?xml version="1.0" encoding="utf-8"?>
-<p:notes xmlns:a="http://schemas.openxmlformats.org/drawingml/2006/main" xmlns:r="http://schemas.openxmlformats.org/officeDocument/2006/relationships" xmlns:p="http://schemas.openxmlformats.org/presentationml/2006/main">
-  <p:cSld>
-    <p:spTree>
-      <p:nvGrpSpPr>
-        <p:cNvPr id="1" name=""/>
-        <p:cNvGrpSpPr/>
-        <p:nvPr/>
-      </p:nvGrpSpPr>
-      <p:grpSpPr>
-        <a:xfrm>
-          <a:off x="0" y="0"/>
-          <a:ext cx="0" cy="0"/>
-          <a:chOff x="0" y="0"/>
-          <a:chExt cx="0" cy="0"/>
-        </a:xfrm>
-      </p:grpSpPr>
-      <p:sp>
-        <p:nvSpPr>
-          <p:cNvPr id="7" name="Slide Number Placeholder 6">
-            <a:extLst>
-              <a:ext uri="{FF2B5EF4-FFF2-40B4-BE49-F238E27FC236}">
-                <a16:creationId xmlns:a16="http://schemas.microsoft.com/office/drawing/2014/main" id="{74243A87-3331-42F8-B3FE-3D52FC03E375}"/>
-              </a:ext>
-            </a:extLst>
-          </p:cNvPr>
-          <p:cNvSpPr txBox="1">
-            <a:spLocks noGrp="1"/>
-          </p:cNvSpPr>
-          <p:nvPr>
-            <p:ph type="sldNum" sz="quarter" idx="5"/>
-          </p:nvPr>
-        </p:nvSpPr>
-        <p:spPr>
-          <a:ln/>
-        </p:spPr>
-        <p:txBody>
-          <a:bodyPr lIns="0" tIns="0" rIns="0" bIns="0" anchor="b" anchorCtr="0">
-            <a:noAutofit/>
-          </a:bodyPr>
-          <a:lstStyle/>
-          <a:p>
-            <a:pPr lvl="0"/>
-            <a:fld id="{89671F1E-2E82-47ED-BE45-0D52B67D2A3F}" type="slidenum">
-              <a:t>10</a:t>
-            </a:fld>
-            <a:endParaRPr lang="en-US"/>
-          </a:p>
-        </p:txBody>
-      </p:sp>
-      <p:sp>
-        <p:nvSpPr>
-          <p:cNvPr id="2" name="Slide Image Placeholder 1">
-            <a:extLst>
-              <a:ext uri="{FF2B5EF4-FFF2-40B4-BE49-F238E27FC236}">
-                <a16:creationId xmlns:a16="http://schemas.microsoft.com/office/drawing/2014/main" id="{593945CA-7EC0-49E2-9938-503DB41A2E06}"/>
-              </a:ext>
-            </a:extLst>
-          </p:cNvPr>
-          <p:cNvSpPr>
-            <a:spLocks noGrp="1" noRot="1" noChangeAspect="1" noResize="1"/>
-          </p:cNvSpPr>
-          <p:nvPr>
-            <p:ph type="sldImg"/>
-          </p:nvPr>
-        </p:nvSpPr>
-        <p:spPr>
-          <a:solidFill>
-            <a:srgbClr val="729FCF"/>
-          </a:solidFill>
-          <a:ln w="25400">
-            <a:solidFill>
-              <a:srgbClr val="3465A4"/>
-            </a:solidFill>
-            <a:prstDash val="solid"/>
-          </a:ln>
-        </p:spPr>
-      </p:sp>
-      <p:sp>
-        <p:nvSpPr>
-          <p:cNvPr id="3" name="Notes Placeholder 2">
-            <a:extLst>
-              <a:ext uri="{FF2B5EF4-FFF2-40B4-BE49-F238E27FC236}">
-                <a16:creationId xmlns:a16="http://schemas.microsoft.com/office/drawing/2014/main" id="{55350B39-6E27-4370-87FD-8EFD6416C34E}"/>
-              </a:ext>
-            </a:extLst>
-          </p:cNvPr>
-          <p:cNvSpPr txBox="1">
-            <a:spLocks noGrp="1"/>
-          </p:cNvSpPr>
-          <p:nvPr>
-            <p:ph type="body" sz="quarter" idx="1"/>
-          </p:nvPr>
-        </p:nvSpPr>
-        <p:spPr/>
-        <p:txBody>
-          <a:bodyPr/>
-          <a:lstStyle/>
-          <a:p>
-            <a:endParaRPr lang="en-US"/>
-          </a:p>
-        </p:txBody>
-      </p:sp>
-    </p:spTree>
-  </p:cSld>
-  <p:clrMapOvr>
-    <a:masterClrMapping/>
-  </p:clrMapOvr>
-</p:notes>
-</file>
-
-<file path=ppt/notesSlides/notesSlide6.xml><?xml version="1.0" encoding="utf-8"?>
-<p:notes xmlns:a="http://schemas.openxmlformats.org/drawingml/2006/main" xmlns:r="http://schemas.openxmlformats.org/officeDocument/2006/relationships" xmlns:p="http://schemas.openxmlformats.org/presentationml/2006/main">
-  <p:cSld>
-    <p:spTree>
-      <p:nvGrpSpPr>
-        <p:cNvPr id="1" name=""/>
-        <p:cNvGrpSpPr/>
-        <p:nvPr/>
-      </p:nvGrpSpPr>
-      <p:grpSpPr>
-        <a:xfrm>
-          <a:off x="0" y="0"/>
-          <a:ext cx="0" cy="0"/>
-          <a:chOff x="0" y="0"/>
-          <a:chExt cx="0" cy="0"/>
-        </a:xfrm>
-      </p:grpSpPr>
-      <p:sp>
-        <p:nvSpPr>
-          <p:cNvPr id="7" name="Slide Number Placeholder 6">
-            <a:extLst>
-              <a:ext uri="{FF2B5EF4-FFF2-40B4-BE49-F238E27FC236}">
-                <a16:creationId xmlns:a16="http://schemas.microsoft.com/office/drawing/2014/main" id="{7DEEB28F-A7AF-4FAF-AEBD-2420CE13F715}"/>
-              </a:ext>
-            </a:extLst>
-          </p:cNvPr>
-          <p:cNvSpPr txBox="1">
-            <a:spLocks noGrp="1"/>
-          </p:cNvSpPr>
-          <p:nvPr>
-            <p:ph type="sldNum" sz="quarter" idx="5"/>
-          </p:nvPr>
-        </p:nvSpPr>
-        <p:spPr>
-          <a:ln/>
-        </p:spPr>
-        <p:txBody>
-          <a:bodyPr lIns="0" tIns="0" rIns="0" bIns="0" anchor="b" anchorCtr="0">
-            <a:noAutofit/>
-          </a:bodyPr>
-          <a:lstStyle/>
-          <a:p>
-            <a:pPr lvl="0"/>
-            <a:fld id="{1BA71A83-B0E3-43EA-92C2-72AB15FEB68C}" type="slidenum">
-              <a:t>11</a:t>
-            </a:fld>
-            <a:endParaRPr lang="en-US"/>
-          </a:p>
-        </p:txBody>
-      </p:sp>
-      <p:sp>
-        <p:nvSpPr>
-          <p:cNvPr id="2" name="Slide Image Placeholder 1">
-            <a:extLst>
-              <a:ext uri="{FF2B5EF4-FFF2-40B4-BE49-F238E27FC236}">
-                <a16:creationId xmlns:a16="http://schemas.microsoft.com/office/drawing/2014/main" id="{F50ED10D-DB50-448E-B3C9-7D1B72587A69}"/>
-              </a:ext>
-            </a:extLst>
-          </p:cNvPr>
-          <p:cNvSpPr>
-            <a:spLocks noGrp="1" noRot="1" noChangeAspect="1" noResize="1"/>
-          </p:cNvSpPr>
-          <p:nvPr>
-            <p:ph type="sldImg"/>
-          </p:nvPr>
-        </p:nvSpPr>
-        <p:spPr>
-          <a:solidFill>
-            <a:srgbClr val="729FCF"/>
-          </a:solidFill>
-          <a:ln w="25400">
-            <a:solidFill>
-              <a:srgbClr val="3465A4"/>
-            </a:solidFill>
-            <a:prstDash val="solid"/>
-          </a:ln>
-        </p:spPr>
-      </p:sp>
-      <p:sp>
-        <p:nvSpPr>
-          <p:cNvPr id="3" name="Notes Placeholder 2">
-            <a:extLst>
-              <a:ext uri="{FF2B5EF4-FFF2-40B4-BE49-F238E27FC236}">
-                <a16:creationId xmlns:a16="http://schemas.microsoft.com/office/drawing/2014/main" id="{1F9C27E5-5576-4E83-9AF2-DA9D7B711AA5}"/>
-              </a:ext>
-            </a:extLst>
-          </p:cNvPr>
-          <p:cNvSpPr txBox="1">
-            <a:spLocks noGrp="1"/>
-          </p:cNvSpPr>
-          <p:nvPr>
-            <p:ph type="body" sz="quarter" idx="1"/>
-          </p:nvPr>
-        </p:nvSpPr>
-        <p:spPr/>
-        <p:txBody>
-          <a:bodyPr/>
-          <a:lstStyle/>
-          <a:p>
-            <a:endParaRPr lang="en-US"/>
-          </a:p>
-        </p:txBody>
-      </p:sp>
-    </p:spTree>
-  </p:cSld>
-  <p:clrMapOvr>
-    <a:masterClrMapping/>
-  </p:clrMapOvr>
-</p:notes>
-</file>
-
-<file path=ppt/notesSlides/notesSlide7.xml><?xml version="1.0" encoding="utf-8"?>
-<p:notes xmlns:a="http://schemas.openxmlformats.org/drawingml/2006/main" xmlns:r="http://schemas.openxmlformats.org/officeDocument/2006/relationships" xmlns:p="http://schemas.openxmlformats.org/presentationml/2006/main">
-  <p:cSld>
-    <p:spTree>
-      <p:nvGrpSpPr>
-        <p:cNvPr id="1" name=""/>
-        <p:cNvGrpSpPr/>
-        <p:nvPr/>
-      </p:nvGrpSpPr>
-      <p:grpSpPr>
-        <a:xfrm>
-          <a:off x="0" y="0"/>
-          <a:ext cx="0" cy="0"/>
-          <a:chOff x="0" y="0"/>
-          <a:chExt cx="0" cy="0"/>
-        </a:xfrm>
-      </p:grpSpPr>
-      <p:sp>
-        <p:nvSpPr>
-          <p:cNvPr id="7" name="Slide Number Placeholder 6">
-            <a:extLst>
-              <a:ext uri="{FF2B5EF4-FFF2-40B4-BE49-F238E27FC236}">
-                <a16:creationId xmlns:a16="http://schemas.microsoft.com/office/drawing/2014/main" id="{642384C2-5694-4F30-A8FD-D6BBEE2C4F06}"/>
-              </a:ext>
-            </a:extLst>
-          </p:cNvPr>
-          <p:cNvSpPr txBox="1">
-            <a:spLocks noGrp="1"/>
-          </p:cNvSpPr>
-          <p:nvPr>
-            <p:ph type="sldNum" sz="quarter" idx="5"/>
-          </p:nvPr>
-        </p:nvSpPr>
-        <p:spPr>
-          <a:ln/>
-        </p:spPr>
-        <p:txBody>
-          <a:bodyPr lIns="0" tIns="0" rIns="0" bIns="0" anchor="b" anchorCtr="0">
-            <a:noAutofit/>
-          </a:bodyPr>
-          <a:lstStyle/>
-          <a:p>
-            <a:pPr lvl="0"/>
-            <a:fld id="{77760FF1-822E-40C7-8CB0-2FCD42F67243}" type="slidenum">
-              <a:t>12</a:t>
-            </a:fld>
-            <a:endParaRPr lang="en-US"/>
-          </a:p>
-        </p:txBody>
-      </p:sp>
-      <p:sp>
-        <p:nvSpPr>
-          <p:cNvPr id="2" name="Slide Image Placeholder 1">
-            <a:extLst>
-              <a:ext uri="{FF2B5EF4-FFF2-40B4-BE49-F238E27FC236}">
-                <a16:creationId xmlns:a16="http://schemas.microsoft.com/office/drawing/2014/main" id="{6FCE180F-18D5-4D0A-BED1-5535BC84D7BF}"/>
-              </a:ext>
-            </a:extLst>
-          </p:cNvPr>
-          <p:cNvSpPr>
-            <a:spLocks noGrp="1" noRot="1" noChangeAspect="1" noResize="1"/>
-          </p:cNvSpPr>
-          <p:nvPr>
-            <p:ph type="sldImg"/>
-          </p:nvPr>
-        </p:nvSpPr>
-        <p:spPr>
-          <a:solidFill>
-            <a:srgbClr val="729FCF"/>
-          </a:solidFill>
-          <a:ln w="25400">
-            <a:solidFill>
-              <a:srgbClr val="3465A4"/>
-            </a:solidFill>
-            <a:prstDash val="solid"/>
-          </a:ln>
-        </p:spPr>
-      </p:sp>
-      <p:sp>
-        <p:nvSpPr>
-          <p:cNvPr id="3" name="Notes Placeholder 2">
-            <a:extLst>
-              <a:ext uri="{FF2B5EF4-FFF2-40B4-BE49-F238E27FC236}">
-                <a16:creationId xmlns:a16="http://schemas.microsoft.com/office/drawing/2014/main" id="{BCD273F2-3487-4537-BEA8-A14010CFD9E3}"/>
-              </a:ext>
-            </a:extLst>
-          </p:cNvPr>
-          <p:cNvSpPr txBox="1">
-            <a:spLocks noGrp="1"/>
-          </p:cNvSpPr>
-          <p:nvPr>
-            <p:ph type="body" sz="quarter" idx="1"/>
-          </p:nvPr>
-        </p:nvSpPr>
-        <p:spPr/>
-        <p:txBody>
-          <a:bodyPr/>
-          <a:lstStyle/>
-          <a:p>
-            <a:endParaRPr lang="en-US"/>
-          </a:p>
-        </p:txBody>
-      </p:sp>
-    </p:spTree>
-  </p:cSld>
-  <p:clrMapOvr>
-    <a:masterClrMapping/>
-  </p:clrMapOvr>
-</p:notes>
-</file>
-
-<file path=ppt/notesSlides/notesSlide8.xml><?xml version="1.0" encoding="utf-8"?>
-<p:notes xmlns:a="http://schemas.openxmlformats.org/drawingml/2006/main" xmlns:r="http://schemas.openxmlformats.org/officeDocument/2006/relationships" xmlns:p="http://schemas.openxmlformats.org/presentationml/2006/main">
-  <p:cSld>
-    <p:spTree>
-      <p:nvGrpSpPr>
-        <p:cNvPr id="1" name=""/>
-        <p:cNvGrpSpPr/>
-        <p:nvPr/>
-      </p:nvGrpSpPr>
-      <p:grpSpPr>
-        <a:xfrm>
-          <a:off x="0" y="0"/>
-          <a:ext cx="0" cy="0"/>
-          <a:chOff x="0" y="0"/>
-          <a:chExt cx="0" cy="0"/>
-        </a:xfrm>
-      </p:grpSpPr>
-      <p:sp>
-        <p:nvSpPr>
-          <p:cNvPr id="7" name="Slide Number Placeholder 6">
-            <a:extLst>
-              <a:ext uri="{FF2B5EF4-FFF2-40B4-BE49-F238E27FC236}">
-                <a16:creationId xmlns:a16="http://schemas.microsoft.com/office/drawing/2014/main" id="{FF3B7B1A-2AF3-45DA-BA10-C5D2B62800B0}"/>
-              </a:ext>
-            </a:extLst>
-          </p:cNvPr>
-          <p:cNvSpPr txBox="1">
-            <a:spLocks noGrp="1"/>
-          </p:cNvSpPr>
-          <p:nvPr>
-            <p:ph type="sldNum" sz="quarter" idx="5"/>
-          </p:nvPr>
-        </p:nvSpPr>
-        <p:spPr>
-          <a:ln/>
-        </p:spPr>
-        <p:txBody>
-          <a:bodyPr lIns="0" tIns="0" rIns="0" bIns="0" anchor="b" anchorCtr="0">
-            <a:noAutofit/>
-          </a:bodyPr>
-          <a:lstStyle/>
-          <a:p>
-            <a:pPr lvl="0"/>
-            <a:fld id="{12302E79-5FD1-4C68-86CD-342CCD22592F}" type="slidenum">
-              <a:t>13</a:t>
-            </a:fld>
-            <a:endParaRPr lang="en-US"/>
-          </a:p>
-        </p:txBody>
-      </p:sp>
-      <p:sp>
-        <p:nvSpPr>
-          <p:cNvPr id="2" name="Slide Image Placeholder 1">
-            <a:extLst>
-              <a:ext uri="{FF2B5EF4-FFF2-40B4-BE49-F238E27FC236}">
-                <a16:creationId xmlns:a16="http://schemas.microsoft.com/office/drawing/2014/main" id="{89CB36FC-AD3A-4B1F-9813-3328883E7606}"/>
-              </a:ext>
-            </a:extLst>
-          </p:cNvPr>
-          <p:cNvSpPr>
-            <a:spLocks noGrp="1" noRot="1" noChangeAspect="1" noResize="1"/>
-          </p:cNvSpPr>
-          <p:nvPr>
-            <p:ph type="sldImg"/>
-          </p:nvPr>
-        </p:nvSpPr>
-        <p:spPr>
-          <a:solidFill>
-            <a:srgbClr val="729FCF"/>
-          </a:solidFill>
-          <a:ln w="25400">
-            <a:solidFill>
-              <a:srgbClr val="3465A4"/>
-            </a:solidFill>
-            <a:prstDash val="solid"/>
-          </a:ln>
-        </p:spPr>
-      </p:sp>
-      <p:sp>
-        <p:nvSpPr>
-          <p:cNvPr id="3" name="Notes Placeholder 2">
-            <a:extLst>
-              <a:ext uri="{FF2B5EF4-FFF2-40B4-BE49-F238E27FC236}">
-                <a16:creationId xmlns:a16="http://schemas.microsoft.com/office/drawing/2014/main" id="{C8F961E3-32D7-45EE-B0B9-A1D38DF449CC}"/>
-              </a:ext>
-            </a:extLst>
-          </p:cNvPr>
-          <p:cNvSpPr txBox="1">
-            <a:spLocks noGrp="1"/>
-          </p:cNvSpPr>
-          <p:nvPr>
-            <p:ph type="body" sz="quarter" idx="1"/>
-          </p:nvPr>
-        </p:nvSpPr>
-        <p:spPr/>
-        <p:txBody>
-          <a:bodyPr/>
-          <a:lstStyle/>
-          <a:p>
-            <a:endParaRPr lang="en-US"/>
-          </a:p>
-        </p:txBody>
-      </p:sp>
-    </p:spTree>
-  </p:cSld>
-  <p:clrMapOvr>
-    <a:masterClrMapping/>
-  </p:clrMapOvr>
-</p:notes>
-</file>
-
-<file path=ppt/notesSlides/notesSlide9.xml><?xml version="1.0" encoding="utf-8"?>
-<p:notes xmlns:a="http://schemas.openxmlformats.org/drawingml/2006/main" xmlns:r="http://schemas.openxmlformats.org/officeDocument/2006/relationships" xmlns:p="http://schemas.openxmlformats.org/presentationml/2006/main">
-  <p:cSld>
-    <p:spTree>
-      <p:nvGrpSpPr>
-        <p:cNvPr id="1" name=""/>
-        <p:cNvGrpSpPr/>
-        <p:nvPr/>
-      </p:nvGrpSpPr>
-      <p:grpSpPr>
-        <a:xfrm>
-          <a:off x="0" y="0"/>
-          <a:ext cx="0" cy="0"/>
-          <a:chOff x="0" y="0"/>
-          <a:chExt cx="0" cy="0"/>
-        </a:xfrm>
-      </p:grpSpPr>
-      <p:sp>
-        <p:nvSpPr>
-          <p:cNvPr id="7" name="Slide Number Placeholder 6">
-            <a:extLst>
-              <a:ext uri="{FF2B5EF4-FFF2-40B4-BE49-F238E27FC236}">
-                <a16:creationId xmlns:a16="http://schemas.microsoft.com/office/drawing/2014/main" id="{5EA0CFF2-36E0-4A51-B685-31EFB82560FB}"/>
-              </a:ext>
-            </a:extLst>
-          </p:cNvPr>
-          <p:cNvSpPr txBox="1">
-            <a:spLocks noGrp="1"/>
-          </p:cNvSpPr>
-          <p:nvPr>
-            <p:ph type="sldNum" sz="quarter" idx="5"/>
-          </p:nvPr>
-        </p:nvSpPr>
-        <p:spPr>
-          <a:ln/>
-        </p:spPr>
-        <p:txBody>
-          <a:bodyPr lIns="0" tIns="0" rIns="0" bIns="0" anchor="b" anchorCtr="0">
-            <a:noAutofit/>
-          </a:bodyPr>
-          <a:lstStyle/>
-          <a:p>
-            <a:pPr lvl="0"/>
-            <a:fld id="{3C5DD3B5-180C-4807-9B11-CACF1DC42CDC}" type="slidenum">
-              <a:t>14</a:t>
-            </a:fld>
-            <a:endParaRPr lang="en-US"/>
-          </a:p>
-        </p:txBody>
-      </p:sp>
-      <p:sp>
-        <p:nvSpPr>
-          <p:cNvPr id="2" name="Slide Image Placeholder 1">
-            <a:extLst>
-              <a:ext uri="{FF2B5EF4-FFF2-40B4-BE49-F238E27FC236}">
-                <a16:creationId xmlns:a16="http://schemas.microsoft.com/office/drawing/2014/main" id="{D2C3B356-98F1-4C79-A582-CD518D0FF898}"/>
-              </a:ext>
-            </a:extLst>
-          </p:cNvPr>
-          <p:cNvSpPr>
-            <a:spLocks noGrp="1" noRot="1" noChangeAspect="1" noResize="1"/>
-          </p:cNvSpPr>
-          <p:nvPr>
-            <p:ph type="sldImg"/>
-          </p:nvPr>
-        </p:nvSpPr>
-        <p:spPr>
-          <a:solidFill>
-            <a:srgbClr val="729FCF"/>
-          </a:solidFill>
-          <a:ln w="25400">
-            <a:solidFill>
-              <a:srgbClr val="3465A4"/>
-            </a:solidFill>
-            <a:prstDash val="solid"/>
-          </a:ln>
-        </p:spPr>
-      </p:sp>
-      <p:sp>
-        <p:nvSpPr>
-          <p:cNvPr id="3" name="Notes Placeholder 2">
-            <a:extLst>
-              <a:ext uri="{FF2B5EF4-FFF2-40B4-BE49-F238E27FC236}">
-                <a16:creationId xmlns:a16="http://schemas.microsoft.com/office/drawing/2014/main" id="{80A72268-05A1-4296-A9F3-DE3AE7738956}"/>
-              </a:ext>
-            </a:extLst>
-          </p:cNvPr>
-          <p:cNvSpPr txBox="1">
-            <a:spLocks noGrp="1"/>
-          </p:cNvSpPr>
-          <p:nvPr>
-            <p:ph type="body" sz="quarter" idx="1"/>
-          </p:nvPr>
-        </p:nvSpPr>
-        <p:spPr/>
-        <p:txBody>
-          <a:bodyPr/>
-          <a:lstStyle/>
-          <a:p>
-            <a:endParaRPr lang="en-US"/>
-          </a:p>
-        </p:txBody>
-      </p:sp>
-    </p:spTree>
   </p:cSld>
   <p:clrMapOvr>
     <a:masterClrMapping/>
@@ -7772,1456 +7212,6 @@
           <p:cNvPr id="2" name="Titel 1">
             <a:extLst>
               <a:ext uri="{FF2B5EF4-FFF2-40B4-BE49-F238E27FC236}">
-                <a16:creationId xmlns:a16="http://schemas.microsoft.com/office/drawing/2014/main" id="{405CDF48-31E6-419C-AB42-64CCBE73A822}"/>
-              </a:ext>
-            </a:extLst>
-          </p:cNvPr>
-          <p:cNvSpPr txBox="1">
-            <a:spLocks noGrp="1"/>
-          </p:cNvSpPr>
-          <p:nvPr>
-            <p:ph type="title" idx="4294967295"/>
-          </p:nvPr>
-        </p:nvSpPr>
-        <p:spPr>
-          <a:xfrm>
-            <a:off x="476280" y="0"/>
-            <a:ext cx="8724600" cy="871200"/>
-          </a:xfrm>
-          <a:noFill/>
-          <a:ln>
-            <a:noFill/>
-          </a:ln>
-        </p:spPr>
-        <p:txBody>
-          <a:bodyPr wrap="square" anchor="b">
-            <a:noAutofit/>
-          </a:bodyPr>
-          <a:lstStyle/>
-          <a:p>
-            <a:pPr lvl="0">
-              <a:lnSpc>
-                <a:spcPct val="100000"/>
-              </a:lnSpc>
-              <a:spcBef>
-                <a:spcPts val="0"/>
-              </a:spcBef>
-            </a:pPr>
-            <a:r>
-              <a:rPr lang="de-DE">
-                <a:solidFill>
-                  <a:srgbClr val="000000"/>
-                </a:solidFill>
-                <a:highlight>
-                  <a:scrgbClr r="0" g="0" b="0">
-                    <a:alpha val="0"/>
-                  </a:scrgbClr>
-                </a:highlight>
-                <a:latin typeface="Calibri"/>
-              </a:rPr>
-              <a:t>Multi-view RGB-D Capture Setup</a:t>
-            </a:r>
-          </a:p>
-        </p:txBody>
-      </p:sp>
-      <p:sp>
-        <p:nvSpPr>
-          <p:cNvPr id="3" name="Textplatzhalter 2">
-            <a:extLst>
-              <a:ext uri="{FF2B5EF4-FFF2-40B4-BE49-F238E27FC236}">
-                <a16:creationId xmlns:a16="http://schemas.microsoft.com/office/drawing/2014/main" id="{E83A65AE-0490-4D14-9250-7CAD15C69DD5}"/>
-              </a:ext>
-            </a:extLst>
-          </p:cNvPr>
-          <p:cNvSpPr txBox="1">
-            <a:spLocks noGrp="1"/>
-          </p:cNvSpPr>
-          <p:nvPr>
-            <p:ph type="body" idx="4294967295"/>
-          </p:nvPr>
-        </p:nvSpPr>
-        <p:spPr>
-          <a:xfrm>
-            <a:off x="476280" y="942839"/>
-            <a:ext cx="6375240" cy="4899240"/>
-          </a:xfrm>
-          <a:noFill/>
-          <a:ln>
-            <a:noFill/>
-          </a:ln>
-        </p:spPr>
-        <p:txBody>
-          <a:bodyPr wrap="square" anchor="t"/>
-          <a:lstStyle/>
-          <a:p>
-            <a:pPr marL="0" lvl="0" indent="0">
-              <a:lnSpc>
-                <a:spcPct val="100000"/>
-              </a:lnSpc>
-              <a:spcBef>
-                <a:spcPts val="641"/>
-              </a:spcBef>
-              <a:buClr>
-                <a:srgbClr val="000000"/>
-              </a:buClr>
-              <a:buSzPct val="100000"/>
-              <a:buFont typeface="Arial" pitchFamily="34"/>
-            </a:pPr>
-            <a:r>
-              <a:rPr lang="de-DE">
-                <a:solidFill>
-                  <a:srgbClr val="000000"/>
-                </a:solidFill>
-                <a:highlight>
-                  <a:scrgbClr r="0" g="0" b="0">
-                    <a:alpha val="0"/>
-                  </a:scrgbClr>
-                </a:highlight>
-                <a:latin typeface="Calibri"/>
-                <a:cs typeface="Calibri" pitchFamily="2"/>
-              </a:rPr>
-              <a:t>Motion2Fusion: Real-time Volumetric Performance Capture [Dou et al.]</a:t>
-            </a:r>
-          </a:p>
-          <a:p>
-            <a:pPr marL="0" lvl="1" indent="0">
-              <a:lnSpc>
-                <a:spcPct val="100000"/>
-              </a:lnSpc>
-              <a:spcBef>
-                <a:spcPts val="1417"/>
-              </a:spcBef>
-              <a:buSzPct val="75000"/>
-              <a:buFont typeface="StarSymbol"/>
-              <a:buChar char="–"/>
-            </a:pPr>
-            <a:r>
-              <a:rPr lang="de-DE" sz="2800">
-                <a:solidFill>
-                  <a:srgbClr val="000000"/>
-                </a:solidFill>
-                <a:highlight>
-                  <a:scrgbClr r="0" g="0" b="0">
-                    <a:alpha val="0"/>
-                  </a:scrgbClr>
-                </a:highlight>
-                <a:latin typeface="Calibri"/>
-                <a:cs typeface="Calibri" pitchFamily="2"/>
-              </a:rPr>
-              <a:t>TODO Add shot description and images, core idea</a:t>
-            </a:r>
-          </a:p>
-          <a:p>
-            <a:pPr marL="0" lvl="0" indent="0">
-              <a:lnSpc>
-                <a:spcPct val="100000"/>
-              </a:lnSpc>
-              <a:spcBef>
-                <a:spcPts val="1417"/>
-              </a:spcBef>
-              <a:buNone/>
-            </a:pPr>
-            <a:endParaRPr lang="de-DE">
-              <a:solidFill>
-                <a:srgbClr val="000000"/>
-              </a:solidFill>
-              <a:highlight>
-                <a:scrgbClr r="0" g="0" b="0">
-                  <a:alpha val="0"/>
-                </a:scrgbClr>
-              </a:highlight>
-              <a:latin typeface="Calibri"/>
-              <a:cs typeface="Calibri" pitchFamily="2"/>
-            </a:endParaRPr>
-          </a:p>
-        </p:txBody>
-      </p:sp>
-      <p:pic>
-        <p:nvPicPr>
-          <p:cNvPr id="4" name="Picture 4">
-            <a:extLst>
-              <a:ext uri="{FF2B5EF4-FFF2-40B4-BE49-F238E27FC236}">
-                <a16:creationId xmlns:a16="http://schemas.microsoft.com/office/drawing/2014/main" id="{C4998D78-40B7-4EE7-A3C1-C0AFFC0FB64F}"/>
-              </a:ext>
-            </a:extLst>
-          </p:cNvPr>
-          <p:cNvPicPr>
-            <a:picLocks noChangeAspect="1"/>
-          </p:cNvPicPr>
-          <p:nvPr/>
-        </p:nvPicPr>
-        <p:blipFill>
-          <a:blip r:embed="rId3">
-            <a:lum/>
-            <a:alphaModFix/>
-          </a:blip>
-          <a:srcRect/>
-          <a:stretch>
-            <a:fillRect/>
-          </a:stretch>
-        </p:blipFill>
-        <p:spPr>
-          <a:xfrm>
-            <a:off x="7160040" y="920159"/>
-            <a:ext cx="4658400" cy="5017320"/>
-          </a:xfrm>
-          <a:prstGeom prst="rect">
-            <a:avLst/>
-          </a:prstGeom>
-          <a:noFill/>
-          <a:ln>
-            <a:noFill/>
-          </a:ln>
-        </p:spPr>
-      </p:pic>
-    </p:spTree>
-  </p:cSld>
-  <p:clrMapOvr>
-    <a:masterClrMapping/>
-  </p:clrMapOvr>
-</p:sld>
-</file>
-
-<file path=ppt/slides/slide11.xml><?xml version="1.0" encoding="utf-8"?>
-<p:sld xmlns:a="http://schemas.openxmlformats.org/drawingml/2006/main" xmlns:r="http://schemas.openxmlformats.org/officeDocument/2006/relationships" xmlns:p="http://schemas.openxmlformats.org/presentationml/2006/main">
-  <p:cSld>
-    <p:spTree>
-      <p:nvGrpSpPr>
-        <p:cNvPr id="1" name=""/>
-        <p:cNvGrpSpPr/>
-        <p:nvPr/>
-      </p:nvGrpSpPr>
-      <p:grpSpPr>
-        <a:xfrm>
-          <a:off x="0" y="0"/>
-          <a:ext cx="0" cy="0"/>
-          <a:chOff x="0" y="0"/>
-          <a:chExt cx="0" cy="0"/>
-        </a:xfrm>
-      </p:grpSpPr>
-      <p:sp>
-        <p:nvSpPr>
-          <p:cNvPr id="2" name="Titel 1">
-            <a:extLst>
-              <a:ext uri="{FF2B5EF4-FFF2-40B4-BE49-F238E27FC236}">
-                <a16:creationId xmlns:a16="http://schemas.microsoft.com/office/drawing/2014/main" id="{860F3D6F-60CD-43F8-8824-F04B453BC764}"/>
-              </a:ext>
-            </a:extLst>
-          </p:cNvPr>
-          <p:cNvSpPr txBox="1">
-            <a:spLocks noGrp="1"/>
-          </p:cNvSpPr>
-          <p:nvPr>
-            <p:ph type="title" idx="4294967295"/>
-          </p:nvPr>
-        </p:nvSpPr>
-        <p:spPr>
-          <a:xfrm>
-            <a:off x="476280" y="0"/>
-            <a:ext cx="8724600" cy="871200"/>
-          </a:xfrm>
-          <a:noFill/>
-          <a:ln>
-            <a:noFill/>
-          </a:ln>
-        </p:spPr>
-        <p:txBody>
-          <a:bodyPr wrap="square" anchor="b">
-            <a:noAutofit/>
-          </a:bodyPr>
-          <a:lstStyle/>
-          <a:p>
-            <a:pPr lvl="0">
-              <a:lnSpc>
-                <a:spcPct val="100000"/>
-              </a:lnSpc>
-              <a:spcBef>
-                <a:spcPts val="0"/>
-              </a:spcBef>
-            </a:pPr>
-            <a:r>
-              <a:rPr lang="de-DE">
-                <a:solidFill>
-                  <a:srgbClr val="000000"/>
-                </a:solidFill>
-                <a:highlight>
-                  <a:scrgbClr r="0" g="0" b="0">
-                    <a:alpha val="0"/>
-                  </a:scrgbClr>
-                </a:highlight>
-                <a:latin typeface="Calibri"/>
-              </a:rPr>
-              <a:t>Multi-view RGB-D Capture Setup</a:t>
-            </a:r>
-          </a:p>
-        </p:txBody>
-      </p:sp>
-      <p:sp>
-        <p:nvSpPr>
-          <p:cNvPr id="3" name="Textplatzhalter 2">
-            <a:extLst>
-              <a:ext uri="{FF2B5EF4-FFF2-40B4-BE49-F238E27FC236}">
-                <a16:creationId xmlns:a16="http://schemas.microsoft.com/office/drawing/2014/main" id="{6DA856D2-C32D-47E6-913D-F6C5CA4B6617}"/>
-              </a:ext>
-            </a:extLst>
-          </p:cNvPr>
-          <p:cNvSpPr txBox="1">
-            <a:spLocks noGrp="1"/>
-          </p:cNvSpPr>
-          <p:nvPr>
-            <p:ph type="body" idx="4294967295"/>
-          </p:nvPr>
-        </p:nvSpPr>
-        <p:spPr>
-          <a:xfrm>
-            <a:off x="476280" y="942839"/>
-            <a:ext cx="10953720" cy="4899240"/>
-          </a:xfrm>
-          <a:noFill/>
-          <a:ln>
-            <a:noFill/>
-          </a:ln>
-        </p:spPr>
-        <p:txBody>
-          <a:bodyPr wrap="square" anchor="t"/>
-          <a:lstStyle/>
-          <a:p>
-            <a:pPr marL="0" lvl="0" indent="0">
-              <a:lnSpc>
-                <a:spcPct val="100000"/>
-              </a:lnSpc>
-              <a:spcBef>
-                <a:spcPts val="641"/>
-              </a:spcBef>
-              <a:buClr>
-                <a:srgbClr val="000000"/>
-              </a:buClr>
-              <a:buSzPct val="100000"/>
-              <a:buFont typeface="Arial" pitchFamily="34"/>
-            </a:pPr>
-            <a:r>
-              <a:rPr lang="de-DE">
-                <a:solidFill>
-                  <a:srgbClr val="000000"/>
-                </a:solidFill>
-                <a:highlight>
-                  <a:scrgbClr r="0" g="0" b="0">
-                    <a:alpha val="0"/>
-                  </a:scrgbClr>
-                </a:highlight>
-                <a:latin typeface="Calibri"/>
-                <a:cs typeface="Calibri" pitchFamily="2"/>
-              </a:rPr>
-              <a:t>Done steps</a:t>
-            </a:r>
-          </a:p>
-          <a:p>
-            <a:pPr marL="0" lvl="1" indent="0">
-              <a:lnSpc>
-                <a:spcPct val="100000"/>
-              </a:lnSpc>
-              <a:spcBef>
-                <a:spcPts val="1417"/>
-              </a:spcBef>
-              <a:buSzPct val="75000"/>
-              <a:buFont typeface="StarSymbol"/>
-              <a:buChar char="–"/>
-            </a:pPr>
-            <a:r>
-              <a:rPr lang="de-DE" sz="2800">
-                <a:solidFill>
-                  <a:srgbClr val="000000"/>
-                </a:solidFill>
-                <a:highlight>
-                  <a:scrgbClr r="0" g="0" b="0">
-                    <a:alpha val="0"/>
-                  </a:scrgbClr>
-                </a:highlight>
-                <a:latin typeface="Calibri"/>
-                <a:cs typeface="Calibri" pitchFamily="2"/>
-              </a:rPr>
-              <a:t>C++ project setup</a:t>
-            </a:r>
-          </a:p>
-          <a:p>
-            <a:pPr marL="0" lvl="1" indent="0">
-              <a:lnSpc>
-                <a:spcPct val="100000"/>
-              </a:lnSpc>
-              <a:spcBef>
-                <a:spcPts val="1417"/>
-              </a:spcBef>
-              <a:buSzPct val="75000"/>
-              <a:buFont typeface="StarSymbol"/>
-              <a:buChar char="–"/>
-            </a:pPr>
-            <a:r>
-              <a:rPr lang="de-DE" sz="2800">
-                <a:solidFill>
-                  <a:srgbClr val="000000"/>
-                </a:solidFill>
-                <a:highlight>
-                  <a:scrgbClr r="0" g="0" b="0">
-                    <a:alpha val="0"/>
-                  </a:scrgbClr>
-                </a:highlight>
-                <a:latin typeface="Calibri"/>
-                <a:cs typeface="Calibri" pitchFamily="2"/>
-              </a:rPr>
-              <a:t>OpenGL and GLFW</a:t>
-            </a:r>
-          </a:p>
-          <a:p>
-            <a:pPr marL="0" lvl="2" indent="0">
-              <a:lnSpc>
-                <a:spcPct val="100000"/>
-              </a:lnSpc>
-              <a:spcBef>
-                <a:spcPts val="1417"/>
-              </a:spcBef>
-              <a:buSzPct val="45000"/>
-              <a:buFont typeface="StarSymbol"/>
-              <a:buChar char="●"/>
-            </a:pPr>
-            <a:r>
-              <a:rPr lang="de-DE" sz="2800">
-                <a:solidFill>
-                  <a:srgbClr val="000000"/>
-                </a:solidFill>
-                <a:highlight>
-                  <a:scrgbClr r="0" g="0" b="0">
-                    <a:alpha val="0"/>
-                  </a:scrgbClr>
-                </a:highlight>
-                <a:latin typeface="Calibri"/>
-                <a:cs typeface="Calibri" pitchFamily="2"/>
-              </a:rPr>
-              <a:t>Get in touch with OpenGL and GLFW by doing the OpenGL tutorial to implement a visualization program for the reconstructed scene</a:t>
-            </a:r>
-          </a:p>
-          <a:p>
-            <a:pPr marL="0" lvl="2" indent="0">
-              <a:lnSpc>
-                <a:spcPct val="100000"/>
-              </a:lnSpc>
-              <a:spcBef>
-                <a:spcPts val="1417"/>
-              </a:spcBef>
-              <a:buSzPct val="45000"/>
-              <a:buFont typeface="StarSymbol"/>
-              <a:buChar char="●"/>
-            </a:pPr>
-            <a:r>
-              <a:rPr lang="de-DE" sz="2800">
-                <a:solidFill>
-                  <a:srgbClr val="000000"/>
-                </a:solidFill>
-                <a:highlight>
-                  <a:scrgbClr r="0" g="0" b="0">
-                    <a:alpha val="0"/>
-                  </a:scrgbClr>
-                </a:highlight>
-                <a:latin typeface="Calibri"/>
-                <a:cs typeface="Calibri" pitchFamily="2"/>
-              </a:rPr>
-              <a:t>Basic window rendering and vertex buffer, vertex array and vertex index setup working</a:t>
-            </a:r>
-          </a:p>
-          <a:p>
-            <a:pPr marL="0" lvl="2" indent="0">
-              <a:lnSpc>
-                <a:spcPct val="100000"/>
-              </a:lnSpc>
-              <a:spcBef>
-                <a:spcPts val="1417"/>
-              </a:spcBef>
-              <a:buSzPct val="45000"/>
-              <a:buFont typeface="StarSymbol"/>
-              <a:buChar char="●"/>
-            </a:pPr>
-            <a:r>
-              <a:rPr lang="de-DE" sz="2800">
-                <a:solidFill>
-                  <a:srgbClr val="000000"/>
-                </a:solidFill>
-                <a:highlight>
-                  <a:scrgbClr r="0" g="0" b="0">
-                    <a:alpha val="0"/>
-                  </a:scrgbClr>
-                </a:highlight>
-                <a:latin typeface="Calibri"/>
-                <a:cs typeface="Calibri" pitchFamily="2"/>
-              </a:rPr>
-              <a:t>Basic shader program added to render the scene</a:t>
-            </a:r>
-          </a:p>
-        </p:txBody>
-      </p:sp>
-    </p:spTree>
-  </p:cSld>
-  <p:clrMapOvr>
-    <a:masterClrMapping/>
-  </p:clrMapOvr>
-</p:sld>
-</file>
-
-<file path=ppt/slides/slide12.xml><?xml version="1.0" encoding="utf-8"?>
-<p:sld xmlns:a="http://schemas.openxmlformats.org/drawingml/2006/main" xmlns:r="http://schemas.openxmlformats.org/officeDocument/2006/relationships" xmlns:p="http://schemas.openxmlformats.org/presentationml/2006/main">
-  <p:cSld>
-    <p:spTree>
-      <p:nvGrpSpPr>
-        <p:cNvPr id="1" name=""/>
-        <p:cNvGrpSpPr/>
-        <p:nvPr/>
-      </p:nvGrpSpPr>
-      <p:grpSpPr>
-        <a:xfrm>
-          <a:off x="0" y="0"/>
-          <a:ext cx="0" cy="0"/>
-          <a:chOff x="0" y="0"/>
-          <a:chExt cx="0" cy="0"/>
-        </a:xfrm>
-      </p:grpSpPr>
-      <p:sp>
-        <p:nvSpPr>
-          <p:cNvPr id="2" name="Titel 1">
-            <a:extLst>
-              <a:ext uri="{FF2B5EF4-FFF2-40B4-BE49-F238E27FC236}">
-                <a16:creationId xmlns:a16="http://schemas.microsoft.com/office/drawing/2014/main" id="{E96E65A6-A893-480F-9FE4-B5E9654FD95D}"/>
-              </a:ext>
-            </a:extLst>
-          </p:cNvPr>
-          <p:cNvSpPr txBox="1">
-            <a:spLocks noGrp="1"/>
-          </p:cNvSpPr>
-          <p:nvPr>
-            <p:ph type="title" idx="4294967295"/>
-          </p:nvPr>
-        </p:nvSpPr>
-        <p:spPr>
-          <a:xfrm>
-            <a:off x="476280" y="0"/>
-            <a:ext cx="8724600" cy="871200"/>
-          </a:xfrm>
-          <a:noFill/>
-          <a:ln>
-            <a:noFill/>
-          </a:ln>
-        </p:spPr>
-        <p:txBody>
-          <a:bodyPr wrap="square" anchor="b">
-            <a:noAutofit/>
-          </a:bodyPr>
-          <a:lstStyle/>
-          <a:p>
-            <a:pPr lvl="0">
-              <a:lnSpc>
-                <a:spcPct val="100000"/>
-              </a:lnSpc>
-              <a:spcBef>
-                <a:spcPts val="0"/>
-              </a:spcBef>
-            </a:pPr>
-            <a:r>
-              <a:rPr lang="de-DE">
-                <a:solidFill>
-                  <a:srgbClr val="000000"/>
-                </a:solidFill>
-                <a:highlight>
-                  <a:scrgbClr r="0" g="0" b="0">
-                    <a:alpha val="0"/>
-                  </a:scrgbClr>
-                </a:highlight>
-                <a:latin typeface="Calibri"/>
-              </a:rPr>
-              <a:t>Multi-view RGB-D Capture Setup</a:t>
-            </a:r>
-          </a:p>
-        </p:txBody>
-      </p:sp>
-      <p:sp>
-        <p:nvSpPr>
-          <p:cNvPr id="3" name="Textplatzhalter 2">
-            <a:extLst>
-              <a:ext uri="{FF2B5EF4-FFF2-40B4-BE49-F238E27FC236}">
-                <a16:creationId xmlns:a16="http://schemas.microsoft.com/office/drawing/2014/main" id="{A996A495-988A-47D3-B202-246A321978C4}"/>
-              </a:ext>
-            </a:extLst>
-          </p:cNvPr>
-          <p:cNvSpPr txBox="1">
-            <a:spLocks noGrp="1"/>
-          </p:cNvSpPr>
-          <p:nvPr>
-            <p:ph type="body" idx="4294967295"/>
-          </p:nvPr>
-        </p:nvSpPr>
-        <p:spPr>
-          <a:xfrm>
-            <a:off x="476280" y="942839"/>
-            <a:ext cx="10953720" cy="4899240"/>
-          </a:xfrm>
-          <a:noFill/>
-          <a:ln>
-            <a:noFill/>
-          </a:ln>
-        </p:spPr>
-        <p:txBody>
-          <a:bodyPr wrap="square" anchor="t"/>
-          <a:lstStyle/>
-          <a:p>
-            <a:pPr marL="0" lvl="0" indent="0">
-              <a:lnSpc>
-                <a:spcPct val="100000"/>
-              </a:lnSpc>
-              <a:spcBef>
-                <a:spcPts val="641"/>
-              </a:spcBef>
-              <a:buClr>
-                <a:srgbClr val="000000"/>
-              </a:buClr>
-              <a:buSzPct val="100000"/>
-              <a:buFont typeface="Arial" pitchFamily="34"/>
-            </a:pPr>
-            <a:r>
-              <a:rPr lang="de-DE">
-                <a:solidFill>
-                  <a:srgbClr val="000000"/>
-                </a:solidFill>
-                <a:highlight>
-                  <a:scrgbClr r="0" g="0" b="0">
-                    <a:alpha val="0"/>
-                  </a:scrgbClr>
-                </a:highlight>
-                <a:latin typeface="Calibri"/>
-                <a:cs typeface="Calibri" pitchFamily="2"/>
-              </a:rPr>
-              <a:t>Done steps</a:t>
-            </a:r>
-          </a:p>
-          <a:p>
-            <a:pPr marL="0" lvl="1" indent="0">
-              <a:lnSpc>
-                <a:spcPct val="100000"/>
-              </a:lnSpc>
-              <a:spcBef>
-                <a:spcPts val="1417"/>
-              </a:spcBef>
-              <a:buSzPct val="75000"/>
-              <a:buFont typeface="StarSymbol"/>
-              <a:buChar char="–"/>
-            </a:pPr>
-            <a:r>
-              <a:rPr lang="de-DE" sz="2800">
-                <a:solidFill>
-                  <a:srgbClr val="000000"/>
-                </a:solidFill>
-                <a:highlight>
-                  <a:scrgbClr r="0" g="0" b="0">
-                    <a:alpha val="0"/>
-                  </a:scrgbClr>
-                </a:highlight>
-                <a:latin typeface="Calibri"/>
-                <a:cs typeface="Calibri" pitchFamily="2"/>
-              </a:rPr>
-              <a:t>Intel RealSense SDK</a:t>
-            </a:r>
-          </a:p>
-          <a:p>
-            <a:pPr marL="0" lvl="2" indent="0">
-              <a:lnSpc>
-                <a:spcPct val="100000"/>
-              </a:lnSpc>
-              <a:spcBef>
-                <a:spcPts val="1417"/>
-              </a:spcBef>
-              <a:buSzPct val="45000"/>
-              <a:buFont typeface="StarSymbol"/>
-              <a:buChar char="●"/>
-            </a:pPr>
-            <a:r>
-              <a:rPr lang="de-DE" sz="2800">
-                <a:solidFill>
-                  <a:srgbClr val="000000"/>
-                </a:solidFill>
-                <a:highlight>
-                  <a:scrgbClr r="0" g="0" b="0">
-                    <a:alpha val="0"/>
-                  </a:scrgbClr>
-                </a:highlight>
-                <a:latin typeface="Calibri"/>
-                <a:cs typeface="Calibri" pitchFamily="2"/>
-              </a:rPr>
-              <a:t>Get to know the API</a:t>
-            </a:r>
-          </a:p>
-          <a:p>
-            <a:pPr marL="0" lvl="2" indent="0">
-              <a:lnSpc>
-                <a:spcPct val="100000"/>
-              </a:lnSpc>
-              <a:spcBef>
-                <a:spcPts val="1417"/>
-              </a:spcBef>
-              <a:buSzPct val="45000"/>
-              <a:buFont typeface="StarSymbol"/>
-              <a:buChar char="●"/>
-            </a:pPr>
-            <a:r>
-              <a:rPr lang="de-DE" sz="2800">
-                <a:solidFill>
-                  <a:srgbClr val="000000"/>
-                </a:solidFill>
-                <a:highlight>
-                  <a:scrgbClr r="0" g="0" b="0">
-                    <a:alpha val="0"/>
-                  </a:scrgbClr>
-                </a:highlight>
-                <a:latin typeface="Calibri"/>
-                <a:cs typeface="Calibri" pitchFamily="2"/>
-              </a:rPr>
-              <a:t>Explore examples and setup Volumetric Fusion project for our needs based on the pointcloud example project</a:t>
-            </a:r>
-          </a:p>
-          <a:p>
-            <a:pPr marL="0" lvl="2" indent="0">
-              <a:lnSpc>
-                <a:spcPct val="100000"/>
-              </a:lnSpc>
-              <a:spcBef>
-                <a:spcPts val="1417"/>
-              </a:spcBef>
-              <a:buSzPct val="45000"/>
-              <a:buFont typeface="StarSymbol"/>
-              <a:buChar char="●"/>
-            </a:pPr>
-            <a:r>
-              <a:rPr lang="de-DE" sz="2800">
-                <a:solidFill>
-                  <a:srgbClr val="000000"/>
-                </a:solidFill>
-                <a:highlight>
-                  <a:scrgbClr r="0" g="0" b="0">
-                    <a:alpha val="0"/>
-                  </a:scrgbClr>
-                </a:highlight>
-                <a:latin typeface="Calibri"/>
-                <a:cs typeface="Calibri" pitchFamily="2"/>
-              </a:rPr>
-              <a:t>Exploring filter techniques for background segmentation</a:t>
-            </a:r>
-          </a:p>
-        </p:txBody>
-      </p:sp>
-    </p:spTree>
-  </p:cSld>
-  <p:clrMapOvr>
-    <a:masterClrMapping/>
-  </p:clrMapOvr>
-</p:sld>
-</file>
-
-<file path=ppt/slides/slide13.xml><?xml version="1.0" encoding="utf-8"?>
-<p:sld xmlns:a="http://schemas.openxmlformats.org/drawingml/2006/main" xmlns:r="http://schemas.openxmlformats.org/officeDocument/2006/relationships" xmlns:p="http://schemas.openxmlformats.org/presentationml/2006/main">
-  <p:cSld>
-    <p:spTree>
-      <p:nvGrpSpPr>
-        <p:cNvPr id="1" name=""/>
-        <p:cNvGrpSpPr/>
-        <p:nvPr/>
-      </p:nvGrpSpPr>
-      <p:grpSpPr>
-        <a:xfrm>
-          <a:off x="0" y="0"/>
-          <a:ext cx="0" cy="0"/>
-          <a:chOff x="0" y="0"/>
-          <a:chExt cx="0" cy="0"/>
-        </a:xfrm>
-      </p:grpSpPr>
-      <p:sp>
-        <p:nvSpPr>
-          <p:cNvPr id="2" name="Titel 1">
-            <a:extLst>
-              <a:ext uri="{FF2B5EF4-FFF2-40B4-BE49-F238E27FC236}">
-                <a16:creationId xmlns:a16="http://schemas.microsoft.com/office/drawing/2014/main" id="{9EC88187-BB36-4EE7-80AB-12BACFDADC41}"/>
-              </a:ext>
-            </a:extLst>
-          </p:cNvPr>
-          <p:cNvSpPr txBox="1">
-            <a:spLocks noGrp="1"/>
-          </p:cNvSpPr>
-          <p:nvPr>
-            <p:ph type="title" idx="4294967295"/>
-          </p:nvPr>
-        </p:nvSpPr>
-        <p:spPr>
-          <a:xfrm>
-            <a:off x="476280" y="0"/>
-            <a:ext cx="8724600" cy="871200"/>
-          </a:xfrm>
-          <a:noFill/>
-          <a:ln>
-            <a:noFill/>
-          </a:ln>
-        </p:spPr>
-        <p:txBody>
-          <a:bodyPr wrap="square" anchor="b">
-            <a:noAutofit/>
-          </a:bodyPr>
-          <a:lstStyle/>
-          <a:p>
-            <a:pPr lvl="0">
-              <a:lnSpc>
-                <a:spcPct val="100000"/>
-              </a:lnSpc>
-              <a:spcBef>
-                <a:spcPts val="0"/>
-              </a:spcBef>
-            </a:pPr>
-            <a:r>
-              <a:rPr lang="de-DE">
-                <a:solidFill>
-                  <a:srgbClr val="000000"/>
-                </a:solidFill>
-                <a:highlight>
-                  <a:scrgbClr r="0" g="0" b="0">
-                    <a:alpha val="0"/>
-                  </a:scrgbClr>
-                </a:highlight>
-                <a:latin typeface="Calibri"/>
-              </a:rPr>
-              <a:t>Multi-view RGB-D Capture Setup</a:t>
-            </a:r>
-          </a:p>
-        </p:txBody>
-      </p:sp>
-      <p:sp>
-        <p:nvSpPr>
-          <p:cNvPr id="3" name="Textplatzhalter 2">
-            <a:extLst>
-              <a:ext uri="{FF2B5EF4-FFF2-40B4-BE49-F238E27FC236}">
-                <a16:creationId xmlns:a16="http://schemas.microsoft.com/office/drawing/2014/main" id="{E3740E0C-BC98-41B9-8F0D-2AE202AB6451}"/>
-              </a:ext>
-            </a:extLst>
-          </p:cNvPr>
-          <p:cNvSpPr txBox="1">
-            <a:spLocks noGrp="1"/>
-          </p:cNvSpPr>
-          <p:nvPr>
-            <p:ph type="body" idx="4294967295"/>
-          </p:nvPr>
-        </p:nvSpPr>
-        <p:spPr>
-          <a:xfrm>
-            <a:off x="476280" y="942839"/>
-            <a:ext cx="11228040" cy="4899240"/>
-          </a:xfrm>
-          <a:noFill/>
-          <a:ln>
-            <a:noFill/>
-          </a:ln>
-        </p:spPr>
-        <p:txBody>
-          <a:bodyPr wrap="square" anchor="t"/>
-          <a:lstStyle/>
-          <a:p>
-            <a:pPr marL="0" lvl="0" indent="0">
-              <a:lnSpc>
-                <a:spcPct val="100000"/>
-              </a:lnSpc>
-              <a:spcBef>
-                <a:spcPts val="641"/>
-              </a:spcBef>
-              <a:buClr>
-                <a:srgbClr val="000000"/>
-              </a:buClr>
-              <a:buSzPct val="100000"/>
-              <a:buFont typeface="Arial" pitchFamily="34"/>
-            </a:pPr>
-            <a:r>
-              <a:rPr lang="de-DE">
-                <a:solidFill>
-                  <a:srgbClr val="000000"/>
-                </a:solidFill>
-                <a:highlight>
-                  <a:scrgbClr r="0" g="0" b="0">
-                    <a:alpha val="0"/>
-                  </a:scrgbClr>
-                </a:highlight>
-                <a:latin typeface="Calibri"/>
-                <a:cs typeface="Calibri" pitchFamily="2"/>
-              </a:rPr>
-              <a:t>Done steps</a:t>
-            </a:r>
-          </a:p>
-          <a:p>
-            <a:pPr marL="0" lvl="1" indent="0">
-              <a:lnSpc>
-                <a:spcPct val="100000"/>
-              </a:lnSpc>
-              <a:spcBef>
-                <a:spcPts val="1417"/>
-              </a:spcBef>
-              <a:buSzPct val="75000"/>
-              <a:buFont typeface="StarSymbol"/>
-              <a:buChar char="–"/>
-            </a:pPr>
-            <a:r>
-              <a:rPr lang="de-DE" sz="2800">
-                <a:solidFill>
-                  <a:srgbClr val="000000"/>
-                </a:solidFill>
-                <a:highlight>
-                  <a:scrgbClr r="0" g="0" b="0">
-                    <a:alpha val="0"/>
-                  </a:scrgbClr>
-                </a:highlight>
-                <a:latin typeface="Calibri"/>
-                <a:cs typeface="Calibri" pitchFamily="2"/>
-              </a:rPr>
-              <a:t>Basic Setup &amp; Camera setup, Recordings, Visualization code</a:t>
-            </a:r>
-          </a:p>
-          <a:p>
-            <a:pPr marL="0" lvl="2" indent="0">
-              <a:lnSpc>
-                <a:spcPct val="100000"/>
-              </a:lnSpc>
-              <a:spcBef>
-                <a:spcPts val="1417"/>
-              </a:spcBef>
-              <a:buSzPct val="45000"/>
-              <a:buFont typeface="StarSymbol"/>
-              <a:buChar char="●"/>
-            </a:pPr>
-            <a:r>
-              <a:rPr lang="de-DE" sz="2800">
-                <a:solidFill>
-                  <a:srgbClr val="000000"/>
-                </a:solidFill>
-                <a:highlight>
-                  <a:scrgbClr r="0" g="0" b="0">
-                    <a:alpha val="0"/>
-                  </a:scrgbClr>
-                </a:highlight>
-                <a:latin typeface="Calibri"/>
-                <a:cs typeface="Calibri" pitchFamily="2"/>
-              </a:rPr>
-              <a:t>Multicamera pointcloud rendering (broken)</a:t>
-            </a:r>
-          </a:p>
-          <a:p>
-            <a:pPr marL="0" lvl="2" indent="0">
-              <a:lnSpc>
-                <a:spcPct val="100000"/>
-              </a:lnSpc>
-              <a:spcBef>
-                <a:spcPts val="1417"/>
-              </a:spcBef>
-              <a:buSzPct val="45000"/>
-              <a:buFont typeface="StarSymbol"/>
-              <a:buChar char="●"/>
-            </a:pPr>
-            <a:r>
-              <a:rPr lang="de-DE" sz="2800">
-                <a:solidFill>
-                  <a:srgbClr val="000000"/>
-                </a:solidFill>
-                <a:highlight>
-                  <a:scrgbClr r="0" g="0" b="0">
-                    <a:alpha val="0"/>
-                  </a:scrgbClr>
-                </a:highlight>
-                <a:latin typeface="Calibri"/>
-                <a:cs typeface="Calibri" pitchFamily="2"/>
-              </a:rPr>
-              <a:t>Advanced recording and replaying of depth and color data and pointclouds</a:t>
-            </a:r>
-          </a:p>
-          <a:p>
-            <a:pPr marL="0" lvl="1" indent="0">
-              <a:lnSpc>
-                <a:spcPct val="100000"/>
-              </a:lnSpc>
-              <a:spcBef>
-                <a:spcPts val="1417"/>
-              </a:spcBef>
-              <a:buSzPct val="75000"/>
-              <a:buFont typeface="StarSymbol"/>
-              <a:buChar char="–"/>
-            </a:pPr>
-            <a:r>
-              <a:rPr lang="de-DE" sz="2800">
-                <a:solidFill>
-                  <a:srgbClr val="000000"/>
-                </a:solidFill>
-                <a:highlight>
-                  <a:scrgbClr r="0" g="0" b="0">
-                    <a:alpha val="0"/>
-                  </a:scrgbClr>
-                </a:highlight>
-                <a:latin typeface="Calibri"/>
-                <a:cs typeface="Calibri" pitchFamily="2"/>
-              </a:rPr>
-              <a:t>Mac support</a:t>
-            </a:r>
-          </a:p>
-          <a:p>
-            <a:pPr marL="0" lvl="2" indent="0">
-              <a:lnSpc>
-                <a:spcPct val="100000"/>
-              </a:lnSpc>
-              <a:spcBef>
-                <a:spcPts val="1417"/>
-              </a:spcBef>
-              <a:buSzPct val="45000"/>
-              <a:buFont typeface="StarSymbol"/>
-              <a:buChar char="●"/>
-            </a:pPr>
-            <a:r>
-              <a:rPr lang="de-DE" sz="2800">
-                <a:solidFill>
-                  <a:srgbClr val="000000"/>
-                </a:solidFill>
-                <a:highlight>
-                  <a:scrgbClr r="0" g="0" b="0">
-                    <a:alpha val="0"/>
-                  </a:scrgbClr>
-                </a:highlight>
-                <a:latin typeface="Calibri"/>
-                <a:cs typeface="Calibri" pitchFamily="2"/>
-              </a:rPr>
-              <a:t>Basic setup with cmake</a:t>
-            </a:r>
-          </a:p>
-        </p:txBody>
-      </p:sp>
-    </p:spTree>
-  </p:cSld>
-  <p:clrMapOvr>
-    <a:masterClrMapping/>
-  </p:clrMapOvr>
-</p:sld>
-</file>
-
-<file path=ppt/slides/slide14.xml><?xml version="1.0" encoding="utf-8"?>
-<p:sld xmlns:a="http://schemas.openxmlformats.org/drawingml/2006/main" xmlns:r="http://schemas.openxmlformats.org/officeDocument/2006/relationships" xmlns:p="http://schemas.openxmlformats.org/presentationml/2006/main">
-  <p:cSld>
-    <p:spTree>
-      <p:nvGrpSpPr>
-        <p:cNvPr id="1" name=""/>
-        <p:cNvGrpSpPr/>
-        <p:nvPr/>
-      </p:nvGrpSpPr>
-      <p:grpSpPr>
-        <a:xfrm>
-          <a:off x="0" y="0"/>
-          <a:ext cx="0" cy="0"/>
-          <a:chOff x="0" y="0"/>
-          <a:chExt cx="0" cy="0"/>
-        </a:xfrm>
-      </p:grpSpPr>
-      <p:sp>
-        <p:nvSpPr>
-          <p:cNvPr id="2" name="Titel 1">
-            <a:extLst>
-              <a:ext uri="{FF2B5EF4-FFF2-40B4-BE49-F238E27FC236}">
-                <a16:creationId xmlns:a16="http://schemas.microsoft.com/office/drawing/2014/main" id="{5705BB5C-0D30-46E0-910B-53AE46B01ACF}"/>
-              </a:ext>
-            </a:extLst>
-          </p:cNvPr>
-          <p:cNvSpPr txBox="1">
-            <a:spLocks noGrp="1"/>
-          </p:cNvSpPr>
-          <p:nvPr>
-            <p:ph type="title" idx="4294967295"/>
-          </p:nvPr>
-        </p:nvSpPr>
-        <p:spPr>
-          <a:xfrm>
-            <a:off x="476280" y="0"/>
-            <a:ext cx="8724600" cy="871200"/>
-          </a:xfrm>
-          <a:noFill/>
-          <a:ln>
-            <a:noFill/>
-          </a:ln>
-        </p:spPr>
-        <p:txBody>
-          <a:bodyPr wrap="square" anchor="b">
-            <a:noAutofit/>
-          </a:bodyPr>
-          <a:lstStyle/>
-          <a:p>
-            <a:pPr lvl="0">
-              <a:lnSpc>
-                <a:spcPct val="100000"/>
-              </a:lnSpc>
-              <a:spcBef>
-                <a:spcPts val="0"/>
-              </a:spcBef>
-            </a:pPr>
-            <a:r>
-              <a:rPr lang="de-DE">
-                <a:solidFill>
-                  <a:srgbClr val="000000"/>
-                </a:solidFill>
-                <a:highlight>
-                  <a:scrgbClr r="0" g="0" b="0">
-                    <a:alpha val="0"/>
-                  </a:scrgbClr>
-                </a:highlight>
-                <a:latin typeface="Calibri"/>
-              </a:rPr>
-              <a:t>Multi-view RGB-D Capture Setup</a:t>
-            </a:r>
-          </a:p>
-        </p:txBody>
-      </p:sp>
-      <p:sp>
-        <p:nvSpPr>
-          <p:cNvPr id="3" name="Textplatzhalter 2">
-            <a:extLst>
-              <a:ext uri="{FF2B5EF4-FFF2-40B4-BE49-F238E27FC236}">
-                <a16:creationId xmlns:a16="http://schemas.microsoft.com/office/drawing/2014/main" id="{19595158-6EE2-4B6F-BEC9-E294795D2C42}"/>
-              </a:ext>
-            </a:extLst>
-          </p:cNvPr>
-          <p:cNvSpPr txBox="1">
-            <a:spLocks noGrp="1"/>
-          </p:cNvSpPr>
-          <p:nvPr>
-            <p:ph type="body" idx="4294967295"/>
-          </p:nvPr>
-        </p:nvSpPr>
-        <p:spPr>
-          <a:xfrm>
-            <a:off x="476280" y="942839"/>
-            <a:ext cx="11228040" cy="4899240"/>
-          </a:xfrm>
-          <a:noFill/>
-          <a:ln>
-            <a:noFill/>
-          </a:ln>
-        </p:spPr>
-        <p:txBody>
-          <a:bodyPr wrap="square" anchor="t">
-            <a:normAutofit fontScale="85000" lnSpcReduction="20000"/>
-          </a:bodyPr>
-          <a:lstStyle/>
-          <a:p>
-            <a:pPr marL="0" lvl="0" indent="0">
-              <a:lnSpc>
-                <a:spcPct val="100000"/>
-              </a:lnSpc>
-              <a:spcBef>
-                <a:spcPts val="641"/>
-              </a:spcBef>
-              <a:buClr>
-                <a:srgbClr val="000000"/>
-              </a:buClr>
-              <a:buSzPct val="100000"/>
-              <a:buFont typeface="Arial" pitchFamily="34"/>
-            </a:pPr>
-            <a:r>
-              <a:rPr lang="de-DE">
-                <a:solidFill>
-                  <a:srgbClr val="000000"/>
-                </a:solidFill>
-                <a:highlight>
-                  <a:scrgbClr r="0" g="0" b="0">
-                    <a:alpha val="0"/>
-                  </a:scrgbClr>
-                </a:highlight>
-                <a:latin typeface="Calibri"/>
-                <a:cs typeface="Calibri" pitchFamily="2"/>
-              </a:rPr>
-              <a:t>Planned</a:t>
-            </a:r>
-          </a:p>
-          <a:p>
-            <a:pPr marL="0" lvl="1" indent="0">
-              <a:lnSpc>
-                <a:spcPct val="100000"/>
-              </a:lnSpc>
-              <a:spcBef>
-                <a:spcPts val="1417"/>
-              </a:spcBef>
-              <a:buSzPct val="75000"/>
-              <a:buFont typeface="StarSymbol"/>
-              <a:buChar char="–"/>
-            </a:pPr>
-            <a:r>
-              <a:rPr lang="de-DE" sz="2800">
-                <a:solidFill>
-                  <a:srgbClr val="000000"/>
-                </a:solidFill>
-                <a:highlight>
-                  <a:scrgbClr r="0" g="0" b="0">
-                    <a:alpha val="0"/>
-                  </a:scrgbClr>
-                </a:highlight>
-                <a:latin typeface="Calibri"/>
-                <a:cs typeface="Calibri" pitchFamily="2"/>
-              </a:rPr>
-              <a:t>OpenGL and GLFW</a:t>
-            </a:r>
-          </a:p>
-          <a:p>
-            <a:pPr marL="0" lvl="2" indent="0">
-              <a:lnSpc>
-                <a:spcPct val="100000"/>
-              </a:lnSpc>
-              <a:spcBef>
-                <a:spcPts val="1417"/>
-              </a:spcBef>
-              <a:buSzPct val="45000"/>
-              <a:buFont typeface="StarSymbol"/>
-              <a:buChar char="●"/>
-            </a:pPr>
-            <a:r>
-              <a:rPr lang="de-DE" sz="2800">
-                <a:solidFill>
-                  <a:srgbClr val="000000"/>
-                </a:solidFill>
-                <a:highlight>
-                  <a:scrgbClr r="0" g="0" b="0">
-                    <a:alpha val="0"/>
-                  </a:scrgbClr>
-                </a:highlight>
-                <a:latin typeface="Calibri"/>
-                <a:cs typeface="Calibri" pitchFamily="2"/>
-              </a:rPr>
-              <a:t>Gather further knowledge over OpenGL and GLFW by doing the OpenGL tutorial</a:t>
-            </a:r>
-          </a:p>
-          <a:p>
-            <a:pPr marL="0" lvl="2" indent="0">
-              <a:lnSpc>
-                <a:spcPct val="100000"/>
-              </a:lnSpc>
-              <a:spcBef>
-                <a:spcPts val="1417"/>
-              </a:spcBef>
-              <a:buSzPct val="45000"/>
-              <a:buFont typeface="StarSymbol"/>
-              <a:buChar char="●"/>
-            </a:pPr>
-            <a:r>
-              <a:rPr lang="de-DE" sz="2800">
-                <a:solidFill>
-                  <a:srgbClr val="000000"/>
-                </a:solidFill>
-                <a:highlight>
-                  <a:scrgbClr r="0" g="0" b="0">
-                    <a:alpha val="0"/>
-                  </a:scrgbClr>
-                </a:highlight>
-                <a:latin typeface="Calibri"/>
-                <a:cs typeface="Calibri" pitchFamily="2"/>
-              </a:rPr>
-              <a:t>Improve the visualization program to render dynamically generated scenes</a:t>
-            </a:r>
-          </a:p>
-          <a:p>
-            <a:pPr marL="0" lvl="1" indent="0">
-              <a:lnSpc>
-                <a:spcPct val="100000"/>
-              </a:lnSpc>
-              <a:spcBef>
-                <a:spcPts val="1417"/>
-              </a:spcBef>
-              <a:buSzPct val="75000"/>
-              <a:buFont typeface="StarSymbol"/>
-              <a:buChar char="–"/>
-            </a:pPr>
-            <a:r>
-              <a:rPr lang="de-DE" sz="2800">
-                <a:solidFill>
-                  <a:srgbClr val="000000"/>
-                </a:solidFill>
-                <a:highlight>
-                  <a:scrgbClr r="0" g="0" b="0">
-                    <a:alpha val="0"/>
-                  </a:scrgbClr>
-                </a:highlight>
-                <a:latin typeface="Calibri"/>
-                <a:cs typeface="Calibri" pitchFamily="2"/>
-              </a:rPr>
-              <a:t>Intel RealSense SDK</a:t>
-            </a:r>
-          </a:p>
-          <a:p>
-            <a:pPr marL="0" lvl="2" indent="0">
-              <a:lnSpc>
-                <a:spcPct val="100000"/>
-              </a:lnSpc>
-              <a:spcBef>
-                <a:spcPts val="1417"/>
-              </a:spcBef>
-              <a:buSzPct val="45000"/>
-              <a:buFont typeface="StarSymbol"/>
-              <a:buChar char="●"/>
-            </a:pPr>
-            <a:r>
-              <a:rPr lang="de-DE" sz="2800">
-                <a:solidFill>
-                  <a:srgbClr val="000000"/>
-                </a:solidFill>
-                <a:highlight>
-                  <a:scrgbClr r="0" g="0" b="0">
-                    <a:alpha val="0"/>
-                  </a:scrgbClr>
-                </a:highlight>
-                <a:latin typeface="Calibri"/>
-                <a:cs typeface="Calibri" pitchFamily="2"/>
-              </a:rPr>
-              <a:t>Custom image pre/post-processing filters</a:t>
-            </a:r>
-          </a:p>
-          <a:p>
-            <a:pPr marL="0" lvl="1" indent="0">
-              <a:lnSpc>
-                <a:spcPct val="100000"/>
-              </a:lnSpc>
-              <a:spcBef>
-                <a:spcPts val="1417"/>
-              </a:spcBef>
-              <a:buSzPct val="75000"/>
-              <a:buFont typeface="StarSymbol"/>
-              <a:buChar char="–"/>
-            </a:pPr>
-            <a:r>
-              <a:rPr lang="de-DE" sz="2800">
-                <a:solidFill>
-                  <a:srgbClr val="000000"/>
-                </a:solidFill>
-                <a:highlight>
-                  <a:scrgbClr r="0" g="0" b="0">
-                    <a:alpha val="0"/>
-                  </a:scrgbClr>
-                </a:highlight>
-                <a:latin typeface="Calibri"/>
-                <a:cs typeface="Calibri" pitchFamily="2"/>
-              </a:rPr>
-              <a:t>Basic Setup &amp; Camera setup, Recordings, Visualization code</a:t>
-            </a:r>
-          </a:p>
-          <a:p>
-            <a:pPr marL="0" lvl="2" indent="0">
-              <a:lnSpc>
-                <a:spcPct val="100000"/>
-              </a:lnSpc>
-              <a:spcBef>
-                <a:spcPts val="1417"/>
-              </a:spcBef>
-              <a:buSzPct val="45000"/>
-              <a:buFont typeface="StarSymbol"/>
-              <a:buChar char="●"/>
-            </a:pPr>
-            <a:r>
-              <a:rPr lang="de-DE" sz="2800">
-                <a:solidFill>
-                  <a:srgbClr val="000000"/>
-                </a:solidFill>
-                <a:highlight>
-                  <a:scrgbClr r="0" g="0" b="0">
-                    <a:alpha val="0"/>
-                  </a:scrgbClr>
-                </a:highlight>
-                <a:latin typeface="Calibri"/>
-                <a:cs typeface="Calibri" pitchFamily="2"/>
-              </a:rPr>
-              <a:t>17.10. – 24.10.</a:t>
-            </a:r>
-          </a:p>
-          <a:p>
-            <a:pPr marL="0" lvl="1" indent="0">
-              <a:lnSpc>
-                <a:spcPct val="100000"/>
-              </a:lnSpc>
-              <a:spcBef>
-                <a:spcPts val="1417"/>
-              </a:spcBef>
-              <a:buSzPct val="75000"/>
-              <a:buFont typeface="StarSymbol"/>
-              <a:buChar char="–"/>
-            </a:pPr>
-            <a:r>
-              <a:rPr lang="de-DE" sz="2800">
-                <a:solidFill>
-                  <a:srgbClr val="000000"/>
-                </a:solidFill>
-                <a:highlight>
-                  <a:scrgbClr r="0" g="0" b="0">
-                    <a:alpha val="0"/>
-                  </a:scrgbClr>
-                </a:highlight>
-                <a:latin typeface="Calibri"/>
-                <a:cs typeface="Calibri" pitchFamily="2"/>
-              </a:rPr>
-              <a:t>Camera calibration</a:t>
-            </a:r>
-          </a:p>
-          <a:p>
-            <a:pPr marL="0" lvl="2" indent="0">
-              <a:lnSpc>
-                <a:spcPct val="100000"/>
-              </a:lnSpc>
-              <a:spcBef>
-                <a:spcPts val="1417"/>
-              </a:spcBef>
-              <a:buSzPct val="45000"/>
-              <a:buFont typeface="StarSymbol"/>
-              <a:buChar char="●"/>
-            </a:pPr>
-            <a:r>
-              <a:rPr lang="de-DE" sz="2800">
-                <a:solidFill>
-                  <a:srgbClr val="000000"/>
-                </a:solidFill>
-                <a:highlight>
-                  <a:scrgbClr r="0" g="0" b="0">
-                    <a:alpha val="0"/>
-                  </a:scrgbClr>
-                </a:highlight>
-                <a:latin typeface="Calibri"/>
-                <a:cs typeface="Calibri" pitchFamily="2"/>
-              </a:rPr>
-              <a:t>24.10. – 21.11</a:t>
-            </a:r>
-          </a:p>
-        </p:txBody>
-      </p:sp>
-    </p:spTree>
-  </p:cSld>
-  <p:clrMapOvr>
-    <a:masterClrMapping/>
-  </p:clrMapOvr>
-</p:sld>
-</file>
-
-<file path=ppt/slides/slide15.xml><?xml version="1.0" encoding="utf-8"?>
-<p:sld xmlns:a="http://schemas.openxmlformats.org/drawingml/2006/main" xmlns:r="http://schemas.openxmlformats.org/officeDocument/2006/relationships" xmlns:p="http://schemas.openxmlformats.org/presentationml/2006/main">
-  <p:cSld>
-    <p:spTree>
-      <p:nvGrpSpPr>
-        <p:cNvPr id="1" name=""/>
-        <p:cNvGrpSpPr/>
-        <p:nvPr/>
-      </p:nvGrpSpPr>
-      <p:grpSpPr>
-        <a:xfrm>
-          <a:off x="0" y="0"/>
-          <a:ext cx="0" cy="0"/>
-          <a:chOff x="0" y="0"/>
-          <a:chExt cx="0" cy="0"/>
-        </a:xfrm>
-      </p:grpSpPr>
-      <p:sp>
-        <p:nvSpPr>
-          <p:cNvPr id="2" name="Titel 1">
-            <a:extLst>
-              <a:ext uri="{FF2B5EF4-FFF2-40B4-BE49-F238E27FC236}">
                 <a16:creationId xmlns:a16="http://schemas.microsoft.com/office/drawing/2014/main" id="{F6C3828E-0DC2-4664-8ACB-0B30DE11884C}"/>
               </a:ext>
             </a:extLst>
@@ -9511,7 +7501,7 @@
 </p:sld>
 </file>
 
-<file path=ppt/slides/slide16.xml><?xml version="1.0" encoding="utf-8"?>
+<file path=ppt/slides/slide11.xml><?xml version="1.0" encoding="utf-8"?>
 <p:sld xmlns:a="http://schemas.openxmlformats.org/drawingml/2006/main" xmlns:r="http://schemas.openxmlformats.org/officeDocument/2006/relationships" xmlns:p="http://schemas.openxmlformats.org/presentationml/2006/main">
   <p:cSld>
     <p:spTree>
@@ -9598,7 +7588,7 @@
           <p:nvPr>
             <p:extLst>
               <p:ext uri="{D42A27DB-BD31-4B8C-83A1-F6EECF244321}">
-                <p14:modId xmlns:p14="http://schemas.microsoft.com/office/powerpoint/2010/main" val="161186095"/>
+                <p14:modId xmlns:p14="http://schemas.microsoft.com/office/powerpoint/2010/main" val="3793745387"/>
               </p:ext>
             </p:extLst>
           </p:nvPr>
@@ -9626,7 +7616,7 @@
 </p:sld>
 </file>
 
-<file path=ppt/slides/slide17.xml><?xml version="1.0" encoding="utf-8"?>
+<file path=ppt/slides/slide12.xml><?xml version="1.0" encoding="utf-8"?>
 <p:sld xmlns:a="http://schemas.openxmlformats.org/drawingml/2006/main" xmlns:r="http://schemas.openxmlformats.org/officeDocument/2006/relationships" xmlns:p="http://schemas.openxmlformats.org/presentationml/2006/main">
   <p:cSld>
     <p:spTree>
@@ -9790,7 +7780,7 @@
 </p:sld>
 </file>
 
-<file path=ppt/slides/slide18.xml><?xml version="1.0" encoding="utf-8"?>
+<file path=ppt/slides/slide13.xml><?xml version="1.0" encoding="utf-8"?>
 <p:sld xmlns:a="http://schemas.openxmlformats.org/drawingml/2006/main" xmlns:r="http://schemas.openxmlformats.org/officeDocument/2006/relationships" xmlns:p="http://schemas.openxmlformats.org/presentationml/2006/main">
   <p:cSld>
     <p:spTree>
@@ -9891,7 +7881,9 @@
           </a:ln>
         </p:spPr>
         <p:txBody>
-          <a:bodyPr wrap="square" anchor="t"/>
+          <a:bodyPr wrap="square" anchor="t">
+            <a:normAutofit lnSpcReduction="10000"/>
+          </a:bodyPr>
           <a:lstStyle/>
           <a:p>
             <a:pPr marL="0" lvl="1" indent="0">
@@ -9930,6 +7922,29 @@
               <a:buSzPct val="100000"/>
               <a:buNone/>
             </a:pPr>
+            <a:endParaRPr lang="de-DE" dirty="0">
+              <a:solidFill>
+                <a:srgbClr val="000000"/>
+              </a:solidFill>
+              <a:highlight>
+                <a:scrgbClr r="0" g="0" b="0">
+                  <a:alpha val="0"/>
+                </a:scrgbClr>
+              </a:highlight>
+              <a:cs typeface="Calibri" pitchFamily="2"/>
+            </a:endParaRPr>
+          </a:p>
+          <a:p>
+            <a:pPr marL="0" lvl="1" indent="0">
+              <a:spcBef>
+                <a:spcPts val="561"/>
+              </a:spcBef>
+              <a:buClr>
+                <a:srgbClr val="000000"/>
+              </a:buClr>
+              <a:buSzPct val="100000"/>
+              <a:buNone/>
+            </a:pPr>
             <a:r>
               <a:rPr lang="de-DE" dirty="0">
                 <a:solidFill>
@@ -9944,6 +7959,29 @@
               </a:rPr>
               <a:t>M. Dou, S. Khamis, Y. Degtyarev, P. Davidson, S. R. Fanello, A. Kowdle, S. O. Escolano, C. Rhemann, D. Kim, J. Taylor, P. Kohli, V. Tankovich, S. Izadi. Fusion4D: Real-time Performance Capture of Challenging Scenes. ACM SIGGRAPH, 2016</a:t>
             </a:r>
+          </a:p>
+          <a:p>
+            <a:pPr marL="0" lvl="1" indent="0">
+              <a:spcBef>
+                <a:spcPts val="561"/>
+              </a:spcBef>
+              <a:buClr>
+                <a:srgbClr val="000000"/>
+              </a:buClr>
+              <a:buSzPct val="100000"/>
+              <a:buNone/>
+            </a:pPr>
+            <a:endParaRPr lang="de-DE" dirty="0">
+              <a:solidFill>
+                <a:srgbClr val="000000"/>
+              </a:solidFill>
+              <a:highlight>
+                <a:scrgbClr r="0" g="0" b="0">
+                  <a:alpha val="0"/>
+                </a:scrgbClr>
+              </a:highlight>
+              <a:cs typeface="Calibri" pitchFamily="2"/>
+            </a:endParaRPr>
           </a:p>
           <a:p>
             <a:pPr marL="0" lvl="1" indent="0">
@@ -9986,7 +8024,7 @@
 </p:sld>
 </file>
 
-<file path=ppt/slides/slide19.xml><?xml version="1.0" encoding="utf-8"?>
+<file path=ppt/slides/slide14.xml><?xml version="1.0" encoding="utf-8"?>
 <p:sld xmlns:a="http://schemas.openxmlformats.org/drawingml/2006/main" xmlns:r="http://schemas.openxmlformats.org/officeDocument/2006/relationships" xmlns:p="http://schemas.openxmlformats.org/presentationml/2006/main">
   <p:cSld>
     <p:spTree>
@@ -10090,8 +8128,8 @@
           <a:lstStyle/>
           <a:p>
             <a:r>
-              <a:rPr lang="en-US"/>
-              <a:t>Multi-view RGB-D Capture Setup</a:t>
+              <a:rPr lang="en-US" dirty="0"/>
+              <a:t>Camera Setup</a:t>
             </a:r>
           </a:p>
         </p:txBody>
@@ -10129,69 +8167,49 @@
         </p:blipFill>
         <p:spPr>
           <a:xfrm>
-            <a:off x="7105061" y="1126060"/>
-            <a:ext cx="5086939" cy="4322288"/>
+            <a:off x="3319306" y="1069689"/>
+            <a:ext cx="5553388" cy="4718622"/>
           </a:xfrm>
           <a:prstGeom prst="rect">
             <a:avLst/>
           </a:prstGeom>
         </p:spPr>
       </p:pic>
-      <p:pic>
-        <p:nvPicPr>
-          <p:cNvPr id="2050" name="Picture 2">
+      <p:sp>
+        <p:nvSpPr>
+          <p:cNvPr id="3" name="Rectangle 2">
             <a:extLst>
               <a:ext uri="{FF2B5EF4-FFF2-40B4-BE49-F238E27FC236}">
-                <a16:creationId xmlns:a16="http://schemas.microsoft.com/office/drawing/2014/main" id="{56C698B6-A48C-441F-988F-99B358A40F89}"/>
+                <a16:creationId xmlns:a16="http://schemas.microsoft.com/office/drawing/2014/main" id="{CC7C22A6-087F-423A-8F6B-A0A8724EBFE2}"/>
               </a:ext>
             </a:extLst>
           </p:cNvPr>
-          <p:cNvPicPr>
-            <a:picLocks noChangeAspect="1" noChangeArrowheads="1"/>
-          </p:cNvPicPr>
+          <p:cNvSpPr/>
           <p:nvPr/>
-        </p:nvPicPr>
-        <p:blipFill rotWithShape="1">
-          <a:blip r:embed="rId3">
-            <a:clrChange>
-              <a:clrFrom>
-                <a:srgbClr val="FFFFFF"/>
-              </a:clrFrom>
-              <a:clrTo>
-                <a:srgbClr val="FFFFFF">
-                  <a:alpha val="0"/>
-                </a:srgbClr>
-              </a:clrTo>
-            </a:clrChange>
-            <a:extLst>
-              <a:ext uri="{28A0092B-C50C-407E-A947-70E740481C1C}">
-                <a14:useLocalDpi xmlns:a14="http://schemas.microsoft.com/office/drawing/2010/main" val="0"/>
-              </a:ext>
-            </a:extLst>
-          </a:blip>
-          <a:srcRect l="35567" r="24532"/>
-          <a:stretch/>
-        </p:blipFill>
-        <p:spPr bwMode="auto">
+        </p:nvSpPr>
+        <p:spPr>
           <a:xfrm>
-            <a:off x="435676" y="2078168"/>
-            <a:ext cx="6631599" cy="3233075"/>
+            <a:off x="352920" y="1678181"/>
+            <a:ext cx="4912499" cy="584775"/>
           </a:xfrm>
           <a:prstGeom prst="rect">
             <a:avLst/>
           </a:prstGeom>
-          <a:noFill/>
-          <a:extLst>
-            <a:ext uri="{909E8E84-426E-40DD-AFC4-6F175D3DCCD1}">
-              <a14:hiddenFill xmlns:a14="http://schemas.microsoft.com/office/drawing/2010/main">
-                <a:solidFill>
-                  <a:srgbClr val="FFFFFF"/>
-                </a:solidFill>
-              </a14:hiddenFill>
-            </a:ext>
-          </a:extLst>
         </p:spPr>
-      </p:pic>
+        <p:txBody>
+          <a:bodyPr wrap="none">
+            <a:spAutoFit/>
+          </a:bodyPr>
+          <a:lstStyle/>
+          <a:p>
+            <a:pPr lvl="1"/>
+            <a:r>
+              <a:rPr lang="en-US" sz="3200" dirty="0"/>
+              <a:t>4x Intel RealSense™ D415</a:t>
+            </a:r>
+          </a:p>
+        </p:txBody>
+      </p:sp>
     </p:spTree>
     <p:extLst>
       <p:ext uri="{BB962C8B-B14F-4D97-AF65-F5344CB8AC3E}">
@@ -10244,39 +8262,57 @@
           <a:lstStyle/>
           <a:p>
             <a:r>
-              <a:rPr lang="en-US"/>
-              <a:t>Multi-view RGB-D Capture Setup</a:t>
+              <a:rPr lang="en-US" dirty="0"/>
+              <a:t>General Overview </a:t>
             </a:r>
+            <a:r>
+              <a:rPr lang="de-DE" dirty="0">
+                <a:solidFill>
+                  <a:srgbClr val="000000"/>
+                </a:solidFill>
+                <a:highlight>
+                  <a:scrgbClr r="0" g="0" b="0">
+                    <a:alpha val="0"/>
+                  </a:scrgbClr>
+                </a:highlight>
+                <a:cs typeface="Calibri" pitchFamily="2"/>
+              </a:rPr>
+              <a:t>[Newcombe et al.]</a:t>
+            </a:r>
+            <a:endParaRPr lang="en-US" dirty="0"/>
           </a:p>
         </p:txBody>
       </p:sp>
       <p:pic>
         <p:nvPicPr>
-          <p:cNvPr id="5" name="Slika 4">
-            <a:hlinkClick r:id="" action="ppaction://media"/>
+          <p:cNvPr id="4" name="Picture 3">
             <a:extLst>
               <a:ext uri="{FF2B5EF4-FFF2-40B4-BE49-F238E27FC236}">
-                <a16:creationId xmlns:a16="http://schemas.microsoft.com/office/drawing/2014/main" id="{349DA6F5-78BB-49C9-BADA-5FFE324578F6}"/>
+                <a16:creationId xmlns:a16="http://schemas.microsoft.com/office/drawing/2014/main" id="{4B67DA74-A701-4958-AE18-EC98A488B116}"/>
               </a:ext>
             </a:extLst>
           </p:cNvPr>
           <p:cNvPicPr>
-            <a:picLocks noRot="1" noChangeAspect="1"/>
+            <a:picLocks noChangeAspect="1"/>
           </p:cNvPicPr>
-          <p:nvPr>
-            <a:videoFile r:link="rId1"/>
-          </p:nvPr>
+          <p:nvPr/>
         </p:nvPicPr>
         <p:blipFill>
-          <a:blip r:embed="rId3"/>
+          <a:blip r:embed="rId2">
+            <a:extLst>
+              <a:ext uri="{28A0092B-C50C-407E-A947-70E740481C1C}">
+                <a14:useLocalDpi xmlns:a14="http://schemas.microsoft.com/office/drawing/2010/main" val="0"/>
+              </a:ext>
+            </a:extLst>
+          </a:blip>
           <a:stretch>
             <a:fillRect/>
           </a:stretch>
         </p:blipFill>
         <p:spPr>
           <a:xfrm>
-            <a:off x="1562027" y="871522"/>
-            <a:ext cx="9067947" cy="5100070"/>
+            <a:off x="0" y="1024362"/>
+            <a:ext cx="12192000" cy="4809275"/>
           </a:xfrm>
           <a:prstGeom prst="rect">
             <a:avLst/>
@@ -10286,7 +8322,7 @@
     </p:spTree>
     <p:extLst>
       <p:ext uri="{BB962C8B-B14F-4D97-AF65-F5344CB8AC3E}">
-        <p14:creationId xmlns:p14="http://schemas.microsoft.com/office/powerpoint/2010/main" val="3622516319"/>
+        <p14:creationId xmlns:p14="http://schemas.microsoft.com/office/powerpoint/2010/main" val="3665253420"/>
       </p:ext>
     </p:extLst>
   </p:cSld>
@@ -10335,113 +8371,24 @@
           <a:lstStyle/>
           <a:p>
             <a:r>
-              <a:rPr lang="en-US"/>
-              <a:t>Multi-view RGB-D Capture Setup</a:t>
+              <a:rPr lang="en-US" dirty="0"/>
+              <a:t>General Overview </a:t>
             </a:r>
-          </a:p>
-        </p:txBody>
-      </p:sp>
-      <p:sp>
-        <p:nvSpPr>
-          <p:cNvPr id="3" name="Textplatzhalter 2">
-            <a:extLst>
-              <a:ext uri="{FF2B5EF4-FFF2-40B4-BE49-F238E27FC236}">
-                <a16:creationId xmlns:a16="http://schemas.microsoft.com/office/drawing/2014/main" id="{39599317-3E05-493F-9F0D-B3663B0E89C8}"/>
-              </a:ext>
-            </a:extLst>
-          </p:cNvPr>
-          <p:cNvSpPr>
-            <a:spLocks noGrp="1"/>
-          </p:cNvSpPr>
-          <p:nvPr>
-            <p:ph type="body" idx="1"/>
-          </p:nvPr>
-        </p:nvSpPr>
-        <p:spPr>
-          <a:xfrm>
-            <a:off x="476211" y="942960"/>
-            <a:ext cx="6186680" cy="4954591"/>
-          </a:xfrm>
-        </p:spPr>
-        <p:txBody>
-          <a:bodyPr vert="horz" lIns="91440" tIns="45720" rIns="91440" bIns="45720" rtlCol="0" anchor="t">
-            <a:normAutofit/>
-          </a:bodyPr>
-          <a:lstStyle/>
-          <a:p>
             <a:r>
-              <a:rPr lang="en-US" dirty="0">
-                <a:cs typeface="Calibri"/>
+              <a:rPr lang="de-DE" dirty="0">
+                <a:solidFill>
+                  <a:srgbClr val="000000"/>
+                </a:solidFill>
+                <a:highlight>
+                  <a:scrgbClr r="0" g="0" b="0">
+                    <a:alpha val="0"/>
+                  </a:scrgbClr>
+                </a:highlight>
+                <a:cs typeface="Calibri" pitchFamily="2"/>
               </a:rPr>
-              <a:t>Image preprocessing</a:t>
+              <a:t>[Dou et al.]</a:t>
             </a:r>
-          </a:p>
-          <a:p>
-            <a:pPr lvl="1"/>
-            <a:r>
-              <a:rPr lang="en-US" dirty="0">
-                <a:cs typeface="Calibri"/>
-              </a:rPr>
-              <a:t>Depth filtering, background subtraction, visual hull computation</a:t>
-            </a:r>
-          </a:p>
-          <a:p>
-            <a:r>
-              <a:rPr lang="en-US" dirty="0">
-                <a:cs typeface="Calibri"/>
-              </a:rPr>
-              <a:t>Non-rigid shape reconstruction</a:t>
-            </a:r>
-          </a:p>
-          <a:p>
-            <a:pPr lvl="1"/>
-            <a:r>
-              <a:rPr lang="en-US" dirty="0">
-                <a:cs typeface="Calibri"/>
-              </a:rPr>
-              <a:t>Sparse voxel grid</a:t>
-            </a:r>
-          </a:p>
-          <a:p>
-            <a:pPr lvl="1"/>
-            <a:r>
-              <a:rPr lang="en-US" dirty="0">
-                <a:cs typeface="Calibri"/>
-              </a:rPr>
-              <a:t>Deformation graph construction</a:t>
-            </a:r>
-          </a:p>
-          <a:p>
-            <a:r>
-              <a:rPr lang="en-US" dirty="0">
-                <a:cs typeface="Calibri"/>
-              </a:rPr>
-              <a:t>Non-rigid tracking</a:t>
-            </a:r>
-          </a:p>
-          <a:p>
-            <a:pPr lvl="1"/>
-            <a:r>
-              <a:rPr lang="en-US" dirty="0">
-                <a:cs typeface="Calibri"/>
-              </a:rPr>
-              <a:t>Projective depth ICP</a:t>
-            </a:r>
-          </a:p>
-          <a:p>
-            <a:pPr lvl="1"/>
-            <a:r>
-              <a:rPr lang="en-US" dirty="0">
-                <a:cs typeface="Calibri"/>
-              </a:rPr>
-              <a:t>Global sparse correspondences</a:t>
-            </a:r>
-          </a:p>
-          <a:p>
-            <a:pPr lvl="1"/>
-            <a:endParaRPr lang="en-US" dirty="0">
-              <a:cs typeface="Calibri"/>
-            </a:endParaRPr>
+            <a:endParaRPr lang="en-US" dirty="0"/>
           </a:p>
         </p:txBody>
       </p:sp>
@@ -10450,7 +8397,7 @@
           <p:cNvPr id="5" name="Picture 4">
             <a:extLst>
               <a:ext uri="{FF2B5EF4-FFF2-40B4-BE49-F238E27FC236}">
-                <a16:creationId xmlns:a16="http://schemas.microsoft.com/office/drawing/2014/main" id="{BC06DE5B-7263-423E-B5EF-95E026936FD2}"/>
+                <a16:creationId xmlns:a16="http://schemas.microsoft.com/office/drawing/2014/main" id="{C1239BC6-0BB1-40B9-81A7-544E61451F7E}"/>
               </a:ext>
             </a:extLst>
           </p:cNvPr>
@@ -10460,128 +8407,31 @@
           <p:nvPr/>
         </p:nvPicPr>
         <p:blipFill>
-          <a:blip r:embed="rId2"/>
+          <a:blip r:embed="rId2">
+            <a:extLst>
+              <a:ext uri="{28A0092B-C50C-407E-A947-70E740481C1C}">
+                <a14:useLocalDpi xmlns:a14="http://schemas.microsoft.com/office/drawing/2010/main" val="0"/>
+              </a:ext>
+            </a:extLst>
+          </a:blip>
           <a:stretch>
             <a:fillRect/>
           </a:stretch>
         </p:blipFill>
         <p:spPr>
           <a:xfrm>
-            <a:off x="6889587" y="3429000"/>
-            <a:ext cx="4826202" cy="2398357"/>
+            <a:off x="0" y="1531374"/>
+            <a:ext cx="12192000" cy="3795251"/>
           </a:xfrm>
           <a:prstGeom prst="rect">
             <a:avLst/>
           </a:prstGeom>
         </p:spPr>
       </p:pic>
-      <p:grpSp>
-        <p:nvGrpSpPr>
-          <p:cNvPr id="8" name="Group 7">
-            <a:extLst>
-              <a:ext uri="{FF2B5EF4-FFF2-40B4-BE49-F238E27FC236}">
-                <a16:creationId xmlns:a16="http://schemas.microsoft.com/office/drawing/2014/main" id="{EA790360-3BD6-40E5-89D2-308AAD0AF7A3}"/>
-              </a:ext>
-            </a:extLst>
-          </p:cNvPr>
-          <p:cNvGrpSpPr/>
-          <p:nvPr/>
-        </p:nvGrpSpPr>
-        <p:grpSpPr>
-          <a:xfrm>
-            <a:off x="7480525" y="942960"/>
-            <a:ext cx="3644325" cy="2333414"/>
-            <a:chOff x="6798109" y="1011910"/>
-            <a:chExt cx="2762658" cy="1768895"/>
-          </a:xfrm>
-        </p:grpSpPr>
-        <p:pic>
-          <p:nvPicPr>
-            <p:cNvPr id="6" name="Picture 5">
-              <a:extLst>
-                <a:ext uri="{FF2B5EF4-FFF2-40B4-BE49-F238E27FC236}">
-                  <a16:creationId xmlns:a16="http://schemas.microsoft.com/office/drawing/2014/main" id="{95B2D25B-B549-421E-BFB2-4EC7F987AE7E}"/>
-                </a:ext>
-              </a:extLst>
-            </p:cNvPr>
-            <p:cNvPicPr>
-              <a:picLocks noChangeAspect="1"/>
-            </p:cNvPicPr>
-            <p:nvPr/>
-          </p:nvPicPr>
-          <p:blipFill>
-            <a:blip r:embed="rId3"/>
-            <a:stretch>
-              <a:fillRect/>
-            </a:stretch>
-          </p:blipFill>
-          <p:spPr>
-            <a:xfrm>
-              <a:off x="6798109" y="1011910"/>
-              <a:ext cx="2762658" cy="1768895"/>
-            </a:xfrm>
-            <a:prstGeom prst="rect">
-              <a:avLst/>
-            </a:prstGeom>
-          </p:spPr>
-        </p:pic>
-        <p:sp>
-          <p:nvSpPr>
-            <p:cNvPr id="7" name="Rectangle 6">
-              <a:extLst>
-                <a:ext uri="{FF2B5EF4-FFF2-40B4-BE49-F238E27FC236}">
-                  <a16:creationId xmlns:a16="http://schemas.microsoft.com/office/drawing/2014/main" id="{75162250-71AE-4B11-A0FA-1DAD4EF26BAF}"/>
-                </a:ext>
-              </a:extLst>
-            </p:cNvPr>
-            <p:cNvSpPr/>
-            <p:nvPr/>
-          </p:nvSpPr>
-          <p:spPr>
-            <a:xfrm>
-              <a:off x="9249746" y="1113453"/>
-              <a:ext cx="311021" cy="273698"/>
-            </a:xfrm>
-            <a:prstGeom prst="rect">
-              <a:avLst/>
-            </a:prstGeom>
-            <a:solidFill>
-              <a:schemeClr val="bg1"/>
-            </a:solidFill>
-            <a:ln>
-              <a:noFill/>
-            </a:ln>
-          </p:spPr>
-          <p:style>
-            <a:lnRef idx="2">
-              <a:schemeClr val="dk1">
-                <a:shade val="50000"/>
-              </a:schemeClr>
-            </a:lnRef>
-            <a:fillRef idx="1">
-              <a:schemeClr val="dk1"/>
-            </a:fillRef>
-            <a:effectRef idx="0">
-              <a:schemeClr val="dk1"/>
-            </a:effectRef>
-            <a:fontRef idx="minor">
-              <a:schemeClr val="lt1"/>
-            </a:fontRef>
-          </p:style>
-          <p:txBody>
-            <a:bodyPr rtlCol="0" anchor="ctr"/>
-            <a:lstStyle/>
-            <a:p>
-              <a:pPr algn="ctr"/>
-              <a:endParaRPr lang="en-DE"/>
-            </a:p>
-          </p:txBody>
-        </p:sp>
-      </p:grpSp>
     </p:spTree>
     <p:extLst>
       <p:ext uri="{BB962C8B-B14F-4D97-AF65-F5344CB8AC3E}">
-        <p14:creationId xmlns:p14="http://schemas.microsoft.com/office/powerpoint/2010/main" val="2691908519"/>
+        <p14:creationId xmlns:p14="http://schemas.microsoft.com/office/powerpoint/2010/main" val="772166482"/>
       </p:ext>
     </p:extLst>
   </p:cSld>
@@ -10655,77 +8505,81 @@
         <p:spPr>
           <a:xfrm>
             <a:off x="476211" y="942960"/>
-            <a:ext cx="6375656" cy="4899727"/>
+            <a:ext cx="6186680" cy="4954591"/>
           </a:xfrm>
         </p:spPr>
         <p:txBody>
           <a:bodyPr vert="horz" lIns="91440" tIns="45720" rIns="91440" bIns="45720" rtlCol="0" anchor="t">
-            <a:normAutofit lnSpcReduction="10000"/>
+            <a:normAutofit/>
           </a:bodyPr>
           <a:lstStyle/>
           <a:p>
             <a:r>
-              <a:rPr lang="en-US" dirty="0"/>
-              <a:t>Data:</a:t>
-            </a:r>
-          </a:p>
-          <a:p>
-            <a:pPr lvl="1"/>
-            <a:r>
-              <a:rPr lang="en-US" dirty="0"/>
-              <a:t>4x Intel </a:t>
-            </a:r>
-            <a:r>
-              <a:rPr lang="en-US" dirty="0" err="1"/>
-              <a:t>Realsense</a:t>
-            </a:r>
-            <a:r>
-              <a:rPr lang="en-US" dirty="0"/>
-              <a:t> D415</a:t>
-            </a:r>
-          </a:p>
-          <a:p>
-            <a:r>
-              <a:rPr lang="en-US" dirty="0"/>
-              <a:t>Literature:</a:t>
+              <a:rPr lang="en-US" dirty="0">
+                <a:cs typeface="Calibri"/>
+              </a:rPr>
+              <a:t>Image preprocessing</a:t>
             </a:r>
           </a:p>
           <a:p>
             <a:pPr lvl="1"/>
             <a:r>
               <a:rPr lang="en-US" dirty="0">
-                <a:ea typeface="+mn-lt"/>
-                <a:cs typeface="+mn-lt"/>
+                <a:cs typeface="Calibri"/>
               </a:rPr>
-              <a:t>Motion2Fusion: Real-time Volumetric Performance Capture [Dou et al.]</a:t>
+              <a:t>Depth filtering, background subtraction, visual hull computation</a:t>
+            </a:r>
+          </a:p>
+          <a:p>
+            <a:r>
+              <a:rPr lang="en-US" dirty="0">
+                <a:cs typeface="Calibri"/>
+              </a:rPr>
+              <a:t>Non-rigid shape reconstruction</a:t>
             </a:r>
           </a:p>
           <a:p>
             <a:pPr lvl="1"/>
             <a:r>
               <a:rPr lang="en-US" dirty="0">
-                <a:ea typeface="+mn-lt"/>
-                <a:cs typeface="+mn-lt"/>
+                <a:cs typeface="Calibri"/>
               </a:rPr>
-              <a:t>Fusion4D: Real-time Performance Capture of Challenging Scenes [Dou et al.]</a:t>
+              <a:t>Sparse voxel grid</a:t>
             </a:r>
-            <a:endParaRPr lang="en-US" dirty="0"/>
           </a:p>
           <a:p>
             <a:pPr lvl="1"/>
             <a:r>
-              <a:rPr lang="en-US" dirty="0" err="1">
-                <a:ea typeface="+mn-lt"/>
-                <a:cs typeface="+mn-lt"/>
+              <a:rPr lang="en-US" dirty="0">
+                <a:cs typeface="Calibri"/>
               </a:rPr>
-              <a:t>DynamicFusion</a:t>
+              <a:t>Deformation graph construction</a:t>
             </a:r>
+          </a:p>
+          <a:p>
             <a:r>
               <a:rPr lang="en-US" dirty="0">
-                <a:ea typeface="+mn-lt"/>
-                <a:cs typeface="+mn-lt"/>
+                <a:cs typeface="Calibri"/>
               </a:rPr>
-              <a:t>: Reconstruction and Tracking of Non-rigid Scenes in Real-Time [Newcombe et al.]</a:t>
+              <a:t>Non-rigid tracking</a:t>
+            </a:r>
+          </a:p>
+          <a:p>
+            <a:pPr lvl="1"/>
+            <a:r>
+              <a:rPr lang="en-US" dirty="0">
+                <a:cs typeface="Calibri"/>
+              </a:rPr>
+              <a:t>Projective depth ICP</a:t>
+            </a:r>
+          </a:p>
+          <a:p>
+            <a:pPr lvl="1"/>
+            <a:r>
+              <a:rPr lang="en-US" dirty="0">
+                <a:cs typeface="Calibri"/>
+              </a:rPr>
+              <a:t>Global sparse correspondences</a:t>
             </a:r>
           </a:p>
           <a:p>
@@ -10736,40 +8590,10 @@
           </a:p>
         </p:txBody>
       </p:sp>
-      <p:pic>
-        <p:nvPicPr>
-          <p:cNvPr id="5" name="Picture 4">
-            <a:extLst>
-              <a:ext uri="{FF2B5EF4-FFF2-40B4-BE49-F238E27FC236}">
-                <a16:creationId xmlns:a16="http://schemas.microsoft.com/office/drawing/2014/main" id="{D387BD8A-E183-4A53-8D2C-642EDA699679}"/>
-              </a:ext>
-            </a:extLst>
-          </p:cNvPr>
-          <p:cNvPicPr>
-            <a:picLocks noChangeAspect="1"/>
-          </p:cNvPicPr>
-          <p:nvPr/>
-        </p:nvPicPr>
-        <p:blipFill>
-          <a:blip r:embed="rId2"/>
-          <a:stretch>
-            <a:fillRect/>
-          </a:stretch>
-        </p:blipFill>
-        <p:spPr>
-          <a:xfrm>
-            <a:off x="7159937" y="920119"/>
-            <a:ext cx="4658837" cy="5017762"/>
-          </a:xfrm>
-          <a:prstGeom prst="rect">
-            <a:avLst/>
-          </a:prstGeom>
-        </p:spPr>
-      </p:pic>
     </p:spTree>
     <p:extLst>
       <p:ext uri="{BB962C8B-B14F-4D97-AF65-F5344CB8AC3E}">
-        <p14:creationId xmlns:p14="http://schemas.microsoft.com/office/powerpoint/2010/main" val="3066853911"/>
+        <p14:creationId xmlns:p14="http://schemas.microsoft.com/office/powerpoint/2010/main" val="2564151893"/>
       </p:ext>
     </p:extLst>
   </p:cSld>
@@ -10801,7 +8625,7 @@
           <p:cNvPr id="2" name="Titel 1">
             <a:extLst>
               <a:ext uri="{FF2B5EF4-FFF2-40B4-BE49-F238E27FC236}">
-                <a16:creationId xmlns:a16="http://schemas.microsoft.com/office/drawing/2014/main" id="{E251E14D-B2E7-495C-908D-3F41F43CB9F5}"/>
+                <a16:creationId xmlns:a16="http://schemas.microsoft.com/office/drawing/2014/main" id="{860F3D6F-60CD-43F8-8824-F04B453BC764}"/>
               </a:ext>
             </a:extLst>
           </p:cNvPr>
@@ -10858,7 +8682,7 @@
           <p:cNvPr id="3" name="Textplatzhalter 2">
             <a:extLst>
               <a:ext uri="{FF2B5EF4-FFF2-40B4-BE49-F238E27FC236}">
-                <a16:creationId xmlns:a16="http://schemas.microsoft.com/office/drawing/2014/main" id="{9768A055-CA10-45D7-954A-0F60DFC4F3A4}"/>
+                <a16:creationId xmlns:a16="http://schemas.microsoft.com/office/drawing/2014/main" id="{6DA856D2-C32D-47E6-913D-F6C5CA4B6617}"/>
               </a:ext>
             </a:extLst>
           </p:cNvPr>
@@ -10872,7 +8696,7 @@
         <p:spPr>
           <a:xfrm>
             <a:off x="476280" y="942839"/>
-            <a:ext cx="6375240" cy="4899240"/>
+            <a:ext cx="10953720" cy="4899240"/>
           </a:xfrm>
           <a:noFill/>
           <a:ln>
@@ -10897,7 +8721,7 @@
               <a:buFont typeface="Arial" pitchFamily="34"/>
             </a:pPr>
             <a:r>
-              <a:rPr lang="de-DE" sz="3200" dirty="0">
+              <a:rPr lang="de-DE">
                 <a:solidFill>
                   <a:srgbClr val="000000"/>
                 </a:solidFill>
@@ -10907,8 +8731,9 @@
                   </a:scrgbClr>
                 </a:highlight>
                 <a:latin typeface="Calibri"/>
+                <a:cs typeface="Calibri" pitchFamily="2"/>
               </a:rPr>
-              <a:t>Data:</a:t>
+              <a:t>Done steps</a:t>
             </a:r>
           </a:p>
           <a:p>
@@ -10917,17 +8742,14 @@
                 <a:spcPct val="100000"/>
               </a:lnSpc>
               <a:spcBef>
-                <a:spcPts val="561"/>
+                <a:spcPts val="1417"/>
               </a:spcBef>
-              <a:buClr>
-                <a:srgbClr val="000000"/>
-              </a:buClr>
-              <a:buSzPct val="100000"/>
-              <a:buFont typeface="Arial" pitchFamily="34"/>
+              <a:buSzPct val="75000"/>
+              <a:buFont typeface="StarSymbol"/>
               <a:buChar char="–"/>
             </a:pPr>
             <a:r>
-              <a:rPr lang="de-DE" sz="2800" dirty="0">
+              <a:rPr lang="de-DE" sz="2800">
                 <a:solidFill>
                   <a:srgbClr val="000000"/>
                 </a:solidFill>
@@ -10937,26 +8759,25 @@
                   </a:scrgbClr>
                 </a:highlight>
                 <a:latin typeface="Calibri"/>
+                <a:cs typeface="Calibri" pitchFamily="2"/>
               </a:rPr>
-              <a:t>4x Intel Realsense D415</a:t>
+              <a:t>C++ project setup</a:t>
             </a:r>
           </a:p>
           <a:p>
-            <a:pPr marL="0" lvl="0" indent="0">
+            <a:pPr marL="0" lvl="1" indent="0">
               <a:lnSpc>
                 <a:spcPct val="100000"/>
               </a:lnSpc>
               <a:spcBef>
-                <a:spcPts val="641"/>
+                <a:spcPts val="1417"/>
               </a:spcBef>
-              <a:buClr>
-                <a:srgbClr val="000000"/>
-              </a:buClr>
-              <a:buSzPct val="100000"/>
-              <a:buFont typeface="Arial" pitchFamily="34"/>
+              <a:buSzPct val="75000"/>
+              <a:buFont typeface="StarSymbol"/>
+              <a:buChar char="–"/>
             </a:pPr>
             <a:r>
-              <a:rPr lang="de-DE" sz="3200" dirty="0">
+              <a:rPr lang="de-DE" sz="2800">
                 <a:solidFill>
                   <a:srgbClr val="000000"/>
                 </a:solidFill>
@@ -10966,73 +8787,97 @@
                   </a:scrgbClr>
                 </a:highlight>
                 <a:latin typeface="Calibri"/>
+                <a:cs typeface="Calibri" pitchFamily="2"/>
               </a:rPr>
-              <a:t>Literature:</a:t>
+              <a:t>OpenGL and GLFW</a:t>
             </a:r>
           </a:p>
           <a:p>
-            <a:pPr marL="0" lvl="0" indent="0">
+            <a:pPr marL="0" lvl="2" indent="0">
               <a:lnSpc>
                 <a:spcPct val="100000"/>
               </a:lnSpc>
               <a:spcBef>
                 <a:spcPts val="1417"/>
               </a:spcBef>
-              <a:buNone/>
+              <a:buSzPct val="45000"/>
+              <a:buFont typeface="StarSymbol"/>
+              <a:buChar char="●"/>
             </a:pPr>
-            <a:endParaRPr lang="de-DE" dirty="0">
-              <a:solidFill>
-                <a:srgbClr val="000000"/>
-              </a:solidFill>
-              <a:highlight>
-                <a:scrgbClr r="0" g="0" b="0">
-                  <a:alpha val="0"/>
-                </a:scrgbClr>
-              </a:highlight>
-              <a:latin typeface="Calibri"/>
-              <a:cs typeface="Calibri" pitchFamily="2"/>
-            </a:endParaRPr>
+            <a:r>
+              <a:rPr lang="de-DE" sz="2800">
+                <a:solidFill>
+                  <a:srgbClr val="000000"/>
+                </a:solidFill>
+                <a:highlight>
+                  <a:scrgbClr r="0" g="0" b="0">
+                    <a:alpha val="0"/>
+                  </a:scrgbClr>
+                </a:highlight>
+                <a:latin typeface="Calibri"/>
+                <a:cs typeface="Calibri" pitchFamily="2"/>
+              </a:rPr>
+              <a:t>Get in touch with OpenGL and GLFW by doing the OpenGL tutorial to implement a visualization program for the reconstructed scene</a:t>
+            </a:r>
+          </a:p>
+          <a:p>
+            <a:pPr marL="0" lvl="2" indent="0">
+              <a:lnSpc>
+                <a:spcPct val="100000"/>
+              </a:lnSpc>
+              <a:spcBef>
+                <a:spcPts val="1417"/>
+              </a:spcBef>
+              <a:buSzPct val="45000"/>
+              <a:buFont typeface="StarSymbol"/>
+              <a:buChar char="●"/>
+            </a:pPr>
+            <a:r>
+              <a:rPr lang="de-DE" sz="2800">
+                <a:solidFill>
+                  <a:srgbClr val="000000"/>
+                </a:solidFill>
+                <a:highlight>
+                  <a:scrgbClr r="0" g="0" b="0">
+                    <a:alpha val="0"/>
+                  </a:scrgbClr>
+                </a:highlight>
+                <a:latin typeface="Calibri"/>
+                <a:cs typeface="Calibri" pitchFamily="2"/>
+              </a:rPr>
+              <a:t>Basic window rendering and vertex buffer, vertex array and vertex index setup working</a:t>
+            </a:r>
+          </a:p>
+          <a:p>
+            <a:pPr marL="0" lvl="2" indent="0">
+              <a:lnSpc>
+                <a:spcPct val="100000"/>
+              </a:lnSpc>
+              <a:spcBef>
+                <a:spcPts val="1417"/>
+              </a:spcBef>
+              <a:buSzPct val="45000"/>
+              <a:buFont typeface="StarSymbol"/>
+              <a:buChar char="●"/>
+            </a:pPr>
+            <a:r>
+              <a:rPr lang="de-DE" sz="2800">
+                <a:solidFill>
+                  <a:srgbClr val="000000"/>
+                </a:solidFill>
+                <a:highlight>
+                  <a:scrgbClr r="0" g="0" b="0">
+                    <a:alpha val="0"/>
+                  </a:scrgbClr>
+                </a:highlight>
+                <a:latin typeface="Calibri"/>
+                <a:cs typeface="Calibri" pitchFamily="2"/>
+              </a:rPr>
+              <a:t>Basic shader program added to render the scene</a:t>
+            </a:r>
           </a:p>
         </p:txBody>
       </p:sp>
-      <p:pic>
-        <p:nvPicPr>
-          <p:cNvPr id="4" name="Picture 4">
-            <a:extLst>
-              <a:ext uri="{FF2B5EF4-FFF2-40B4-BE49-F238E27FC236}">
-                <a16:creationId xmlns:a16="http://schemas.microsoft.com/office/drawing/2014/main" id="{950C7072-2D38-475C-97C8-AB5580B51424}"/>
-              </a:ext>
-            </a:extLst>
-          </p:cNvPr>
-          <p:cNvPicPr>
-            <a:picLocks noChangeAspect="1"/>
-          </p:cNvPicPr>
-          <p:nvPr/>
-        </p:nvPicPr>
-        <p:blipFill>
-          <a:blip r:embed="rId3">
-            <a:lum/>
-            <a:alphaModFix/>
-          </a:blip>
-          <a:srcRect/>
-          <a:stretch>
-            <a:fillRect/>
-          </a:stretch>
-        </p:blipFill>
-        <p:spPr>
-          <a:xfrm>
-            <a:off x="7160040" y="920159"/>
-            <a:ext cx="4658400" cy="5017320"/>
-          </a:xfrm>
-          <a:prstGeom prst="rect">
-            <a:avLst/>
-          </a:prstGeom>
-          <a:noFill/>
-          <a:ln>
-            <a:noFill/>
-          </a:ln>
-        </p:spPr>
-      </p:pic>
     </p:spTree>
   </p:cSld>
   <p:clrMapOvr>
@@ -11063,7 +8908,7 @@
           <p:cNvPr id="2" name="Titel 1">
             <a:extLst>
               <a:ext uri="{FF2B5EF4-FFF2-40B4-BE49-F238E27FC236}">
-                <a16:creationId xmlns:a16="http://schemas.microsoft.com/office/drawing/2014/main" id="{CC95CCF8-5C1F-4114-9085-5D8BC6987D49}"/>
+                <a16:creationId xmlns:a16="http://schemas.microsoft.com/office/drawing/2014/main" id="{E96E65A6-A893-480F-9FE4-B5E9654FD95D}"/>
               </a:ext>
             </a:extLst>
           </p:cNvPr>
@@ -11120,7 +8965,7 @@
           <p:cNvPr id="3" name="Textplatzhalter 2">
             <a:extLst>
               <a:ext uri="{FF2B5EF4-FFF2-40B4-BE49-F238E27FC236}">
-                <a16:creationId xmlns:a16="http://schemas.microsoft.com/office/drawing/2014/main" id="{8F2F97D5-1B3C-47F3-A513-97D45BEE9C9E}"/>
+                <a16:creationId xmlns:a16="http://schemas.microsoft.com/office/drawing/2014/main" id="{A996A495-988A-47D3-B202-246A321978C4}"/>
               </a:ext>
             </a:extLst>
           </p:cNvPr>
@@ -11134,7 +8979,7 @@
         <p:spPr>
           <a:xfrm>
             <a:off x="476280" y="942839"/>
-            <a:ext cx="6375240" cy="4899240"/>
+            <a:ext cx="10953720" cy="4899240"/>
           </a:xfrm>
           <a:noFill/>
           <a:ln>
@@ -11145,16 +8990,18 @@
           <a:bodyPr wrap="square" anchor="t"/>
           <a:lstStyle/>
           <a:p>
-            <a:pPr lvl="0">
+            <a:pPr marL="0" lvl="0" indent="0">
               <a:lnSpc>
                 <a:spcPct val="100000"/>
               </a:lnSpc>
               <a:spcBef>
-                <a:spcPts val="1417"/>
+                <a:spcPts val="641"/>
               </a:spcBef>
-              <a:buSzPct val="45000"/>
-              <a:buFont typeface="StarSymbol"/>
-              <a:buChar char="●"/>
+              <a:buClr>
+                <a:srgbClr val="000000"/>
+              </a:buClr>
+              <a:buSzPct val="100000"/>
+              <a:buFont typeface="Arial" pitchFamily="34"/>
             </a:pPr>
             <a:r>
               <a:rPr lang="de-DE">
@@ -11167,12 +9014,41 @@
                   </a:scrgbClr>
                 </a:highlight>
                 <a:latin typeface="Calibri"/>
+                <a:cs typeface="Calibri" pitchFamily="2"/>
               </a:rPr>
-              <a:t>4x Intel Realsense D415</a:t>
+              <a:t>Done steps</a:t>
             </a:r>
           </a:p>
           <a:p>
-            <a:pPr lvl="0">
+            <a:pPr marL="0" lvl="1" indent="0">
+              <a:lnSpc>
+                <a:spcPct val="100000"/>
+              </a:lnSpc>
+              <a:spcBef>
+                <a:spcPts val="1417"/>
+              </a:spcBef>
+              <a:buSzPct val="75000"/>
+              <a:buFont typeface="StarSymbol"/>
+              <a:buChar char="–"/>
+            </a:pPr>
+            <a:r>
+              <a:rPr lang="de-DE" sz="2800">
+                <a:solidFill>
+                  <a:srgbClr val="000000"/>
+                </a:solidFill>
+                <a:highlight>
+                  <a:scrgbClr r="0" g="0" b="0">
+                    <a:alpha val="0"/>
+                  </a:scrgbClr>
+                </a:highlight>
+                <a:latin typeface="Calibri"/>
+                <a:cs typeface="Calibri" pitchFamily="2"/>
+              </a:rPr>
+              <a:t>Intel RealSense SDK</a:t>
+            </a:r>
+          </a:p>
+          <a:p>
+            <a:pPr marL="0" lvl="2" indent="0">
               <a:lnSpc>
                 <a:spcPct val="100000"/>
               </a:lnSpc>
@@ -11184,7 +9060,7 @@
               <a:buChar char="●"/>
             </a:pPr>
             <a:r>
-              <a:rPr lang="de-DE">
+              <a:rPr lang="de-DE" sz="2800">
                 <a:solidFill>
                   <a:srgbClr val="000000"/>
                 </a:solidFill>
@@ -11194,50 +9070,69 @@
                   </a:scrgbClr>
                 </a:highlight>
                 <a:latin typeface="Calibri"/>
+                <a:cs typeface="Calibri" pitchFamily="2"/>
               </a:rPr>
-              <a:t>TODO Add images from master/images folder, Maybe replace right image</a:t>
+              <a:t>Get to know the API</a:t>
+            </a:r>
+          </a:p>
+          <a:p>
+            <a:pPr marL="0" lvl="2" indent="0">
+              <a:lnSpc>
+                <a:spcPct val="100000"/>
+              </a:lnSpc>
+              <a:spcBef>
+                <a:spcPts val="1417"/>
+              </a:spcBef>
+              <a:buSzPct val="45000"/>
+              <a:buFont typeface="StarSymbol"/>
+              <a:buChar char="●"/>
+            </a:pPr>
+            <a:r>
+              <a:rPr lang="de-DE" sz="2800">
+                <a:solidFill>
+                  <a:srgbClr val="000000"/>
+                </a:solidFill>
+                <a:highlight>
+                  <a:scrgbClr r="0" g="0" b="0">
+                    <a:alpha val="0"/>
+                  </a:scrgbClr>
+                </a:highlight>
+                <a:latin typeface="Calibri"/>
+                <a:cs typeface="Calibri" pitchFamily="2"/>
+              </a:rPr>
+              <a:t>Explore examples and setup Volumetric Fusion project for our needs based on the pointcloud example project</a:t>
+            </a:r>
+          </a:p>
+          <a:p>
+            <a:pPr marL="0" lvl="2" indent="0">
+              <a:lnSpc>
+                <a:spcPct val="100000"/>
+              </a:lnSpc>
+              <a:spcBef>
+                <a:spcPts val="1417"/>
+              </a:spcBef>
+              <a:buSzPct val="45000"/>
+              <a:buFont typeface="StarSymbol"/>
+              <a:buChar char="●"/>
+            </a:pPr>
+            <a:r>
+              <a:rPr lang="de-DE" sz="2800">
+                <a:solidFill>
+                  <a:srgbClr val="000000"/>
+                </a:solidFill>
+                <a:highlight>
+                  <a:scrgbClr r="0" g="0" b="0">
+                    <a:alpha val="0"/>
+                  </a:scrgbClr>
+                </a:highlight>
+                <a:latin typeface="Calibri"/>
+                <a:cs typeface="Calibri" pitchFamily="2"/>
+              </a:rPr>
+              <a:t>Exploring filter techniques for background segmentation</a:t>
             </a:r>
           </a:p>
         </p:txBody>
       </p:sp>
-      <p:pic>
-        <p:nvPicPr>
-          <p:cNvPr id="4" name="Picture 4">
-            <a:extLst>
-              <a:ext uri="{FF2B5EF4-FFF2-40B4-BE49-F238E27FC236}">
-                <a16:creationId xmlns:a16="http://schemas.microsoft.com/office/drawing/2014/main" id="{343CDC04-DDD5-4C06-BABF-7E42B8055DFE}"/>
-              </a:ext>
-            </a:extLst>
-          </p:cNvPr>
-          <p:cNvPicPr>
-            <a:picLocks noChangeAspect="1"/>
-          </p:cNvPicPr>
-          <p:nvPr/>
-        </p:nvPicPr>
-        <p:blipFill>
-          <a:blip r:embed="rId3">
-            <a:lum/>
-            <a:alphaModFix/>
-          </a:blip>
-          <a:srcRect/>
-          <a:stretch>
-            <a:fillRect/>
-          </a:stretch>
-        </p:blipFill>
-        <p:spPr>
-          <a:xfrm>
-            <a:off x="7160040" y="920159"/>
-            <a:ext cx="4658400" cy="5017320"/>
-          </a:xfrm>
-          <a:prstGeom prst="rect">
-            <a:avLst/>
-          </a:prstGeom>
-          <a:noFill/>
-          <a:ln>
-            <a:noFill/>
-          </a:ln>
-        </p:spPr>
-      </p:pic>
     </p:spTree>
   </p:cSld>
   <p:clrMapOvr>
@@ -11268,7 +9163,7 @@
           <p:cNvPr id="2" name="Titel 1">
             <a:extLst>
               <a:ext uri="{FF2B5EF4-FFF2-40B4-BE49-F238E27FC236}">
-                <a16:creationId xmlns:a16="http://schemas.microsoft.com/office/drawing/2014/main" id="{30A91813-4F18-4E6D-81E9-6BFF40D474D9}"/>
+                <a16:creationId xmlns:a16="http://schemas.microsoft.com/office/drawing/2014/main" id="{9EC88187-BB36-4EE7-80AB-12BACFDADC41}"/>
               </a:ext>
             </a:extLst>
           </p:cNvPr>
@@ -11325,7 +9220,7 @@
           <p:cNvPr id="3" name="Textplatzhalter 2">
             <a:extLst>
               <a:ext uri="{FF2B5EF4-FFF2-40B4-BE49-F238E27FC236}">
-                <a16:creationId xmlns:a16="http://schemas.microsoft.com/office/drawing/2014/main" id="{57284C0A-86A8-40EB-A5A6-D2293268B8A5}"/>
+                <a16:creationId xmlns:a16="http://schemas.microsoft.com/office/drawing/2014/main" id="{E3740E0C-BC98-41B9-8F0D-2AE202AB6451}"/>
               </a:ext>
             </a:extLst>
           </p:cNvPr>
@@ -11339,7 +9234,7 @@
         <p:spPr>
           <a:xfrm>
             <a:off x="476280" y="942839"/>
-            <a:ext cx="6375240" cy="4899240"/>
+            <a:ext cx="11228040" cy="4899240"/>
           </a:xfrm>
           <a:noFill/>
           <a:ln>
@@ -11376,7 +9271,7 @@
                 <a:latin typeface="Calibri"/>
                 <a:cs typeface="Calibri" pitchFamily="2"/>
               </a:rPr>
-              <a:t>DynamicFusion: Reconstruction and Tracking of Non-rigid Scenes in Real-Time [Newcombe et al.]</a:t>
+              <a:t>Done steps</a:t>
             </a:r>
           </a:p>
           <a:p>
@@ -11404,49 +9299,123 @@
                 <a:latin typeface="Calibri"/>
                 <a:cs typeface="Calibri" pitchFamily="2"/>
               </a:rPr>
-              <a:t>TODO Add shot description and images, core idea	</a:t>
+              <a:t>Basic Setup &amp; Camera setup, Recordings, Visualization code</a:t>
+            </a:r>
+          </a:p>
+          <a:p>
+            <a:pPr marL="0" lvl="2" indent="0">
+              <a:lnSpc>
+                <a:spcPct val="100000"/>
+              </a:lnSpc>
+              <a:spcBef>
+                <a:spcPts val="1417"/>
+              </a:spcBef>
+              <a:buSzPct val="45000"/>
+              <a:buFont typeface="StarSymbol"/>
+              <a:buChar char="●"/>
+            </a:pPr>
+            <a:r>
+              <a:rPr lang="de-DE" sz="2800">
+                <a:solidFill>
+                  <a:srgbClr val="000000"/>
+                </a:solidFill>
+                <a:highlight>
+                  <a:scrgbClr r="0" g="0" b="0">
+                    <a:alpha val="0"/>
+                  </a:scrgbClr>
+                </a:highlight>
+                <a:latin typeface="Calibri"/>
+                <a:cs typeface="Calibri" pitchFamily="2"/>
+              </a:rPr>
+              <a:t>Multicamera pointcloud rendering (broken)</a:t>
+            </a:r>
+          </a:p>
+          <a:p>
+            <a:pPr marL="0" lvl="2" indent="0">
+              <a:lnSpc>
+                <a:spcPct val="100000"/>
+              </a:lnSpc>
+              <a:spcBef>
+                <a:spcPts val="1417"/>
+              </a:spcBef>
+              <a:buSzPct val="45000"/>
+              <a:buFont typeface="StarSymbol"/>
+              <a:buChar char="●"/>
+            </a:pPr>
+            <a:r>
+              <a:rPr lang="de-DE" sz="2800">
+                <a:solidFill>
+                  <a:srgbClr val="000000"/>
+                </a:solidFill>
+                <a:highlight>
+                  <a:scrgbClr r="0" g="0" b="0">
+                    <a:alpha val="0"/>
+                  </a:scrgbClr>
+                </a:highlight>
+                <a:latin typeface="Calibri"/>
+                <a:cs typeface="Calibri" pitchFamily="2"/>
+              </a:rPr>
+              <a:t>Advanced recording and replaying of depth and color data and pointclouds</a:t>
+            </a:r>
+          </a:p>
+          <a:p>
+            <a:pPr marL="0" lvl="1" indent="0">
+              <a:lnSpc>
+                <a:spcPct val="100000"/>
+              </a:lnSpc>
+              <a:spcBef>
+                <a:spcPts val="1417"/>
+              </a:spcBef>
+              <a:buSzPct val="75000"/>
+              <a:buFont typeface="StarSymbol"/>
+              <a:buChar char="–"/>
+            </a:pPr>
+            <a:r>
+              <a:rPr lang="de-DE" sz="2800">
+                <a:solidFill>
+                  <a:srgbClr val="000000"/>
+                </a:solidFill>
+                <a:highlight>
+                  <a:scrgbClr r="0" g="0" b="0">
+                    <a:alpha val="0"/>
+                  </a:scrgbClr>
+                </a:highlight>
+                <a:latin typeface="Calibri"/>
+                <a:cs typeface="Calibri" pitchFamily="2"/>
+              </a:rPr>
+              <a:t>Mac support</a:t>
+            </a:r>
+          </a:p>
+          <a:p>
+            <a:pPr marL="0" lvl="2" indent="0">
+              <a:lnSpc>
+                <a:spcPct val="100000"/>
+              </a:lnSpc>
+              <a:spcBef>
+                <a:spcPts val="1417"/>
+              </a:spcBef>
+              <a:buSzPct val="45000"/>
+              <a:buFont typeface="StarSymbol"/>
+              <a:buChar char="●"/>
+            </a:pPr>
+            <a:r>
+              <a:rPr lang="de-DE" sz="2800">
+                <a:solidFill>
+                  <a:srgbClr val="000000"/>
+                </a:solidFill>
+                <a:highlight>
+                  <a:scrgbClr r="0" g="0" b="0">
+                    <a:alpha val="0"/>
+                  </a:scrgbClr>
+                </a:highlight>
+                <a:latin typeface="Calibri"/>
+                <a:cs typeface="Calibri" pitchFamily="2"/>
+              </a:rPr>
+              <a:t>Basic setup with cmake</a:t>
             </a:r>
           </a:p>
         </p:txBody>
       </p:sp>
-      <p:pic>
-        <p:nvPicPr>
-          <p:cNvPr id="4" name="Picture 4">
-            <a:extLst>
-              <a:ext uri="{FF2B5EF4-FFF2-40B4-BE49-F238E27FC236}">
-                <a16:creationId xmlns:a16="http://schemas.microsoft.com/office/drawing/2014/main" id="{55B8569F-A685-4AEC-AC4C-95B378CD8255}"/>
-              </a:ext>
-            </a:extLst>
-          </p:cNvPr>
-          <p:cNvPicPr>
-            <a:picLocks noChangeAspect="1"/>
-          </p:cNvPicPr>
-          <p:nvPr/>
-        </p:nvPicPr>
-        <p:blipFill>
-          <a:blip r:embed="rId3">
-            <a:lum/>
-            <a:alphaModFix/>
-          </a:blip>
-          <a:srcRect/>
-          <a:stretch>
-            <a:fillRect/>
-          </a:stretch>
-        </p:blipFill>
-        <p:spPr>
-          <a:xfrm>
-            <a:off x="7160040" y="920159"/>
-            <a:ext cx="4658400" cy="5017320"/>
-          </a:xfrm>
-          <a:prstGeom prst="rect">
-            <a:avLst/>
-          </a:prstGeom>
-          <a:noFill/>
-          <a:ln>
-            <a:noFill/>
-          </a:ln>
-        </p:spPr>
-      </p:pic>
     </p:spTree>
   </p:cSld>
   <p:clrMapOvr>
@@ -11477,7 +9446,7 @@
           <p:cNvPr id="2" name="Titel 1">
             <a:extLst>
               <a:ext uri="{FF2B5EF4-FFF2-40B4-BE49-F238E27FC236}">
-                <a16:creationId xmlns:a16="http://schemas.microsoft.com/office/drawing/2014/main" id="{6715600A-9ABD-4A78-97C9-EF05F7556067}"/>
+                <a16:creationId xmlns:a16="http://schemas.microsoft.com/office/drawing/2014/main" id="{5705BB5C-0D30-46E0-910B-53AE46B01ACF}"/>
               </a:ext>
             </a:extLst>
           </p:cNvPr>
@@ -11534,7 +9503,7 @@
           <p:cNvPr id="3" name="Textplatzhalter 2">
             <a:extLst>
               <a:ext uri="{FF2B5EF4-FFF2-40B4-BE49-F238E27FC236}">
-                <a16:creationId xmlns:a16="http://schemas.microsoft.com/office/drawing/2014/main" id="{C81E609A-5E48-472E-99B2-FBC4349CA7B8}"/>
+                <a16:creationId xmlns:a16="http://schemas.microsoft.com/office/drawing/2014/main" id="{19595158-6EE2-4B6F-BEC9-E294795D2C42}"/>
               </a:ext>
             </a:extLst>
           </p:cNvPr>
@@ -11548,7 +9517,7 @@
         <p:spPr>
           <a:xfrm>
             <a:off x="476280" y="942839"/>
-            <a:ext cx="6375240" cy="4899240"/>
+            <a:ext cx="11228040" cy="4899240"/>
           </a:xfrm>
           <a:noFill/>
           <a:ln>
@@ -11556,7 +9525,9 @@
           </a:ln>
         </p:spPr>
         <p:txBody>
-          <a:bodyPr wrap="square" anchor="t"/>
+          <a:bodyPr wrap="square" anchor="t">
+            <a:normAutofit fontScale="85000" lnSpcReduction="20000"/>
+          </a:bodyPr>
           <a:lstStyle/>
           <a:p>
             <a:pPr marL="0" lvl="0" indent="0">
@@ -11585,7 +9556,7 @@
                 <a:latin typeface="Calibri"/>
                 <a:cs typeface="Calibri" pitchFamily="2"/>
               </a:rPr>
-              <a:t>Fusion4D: Real-time Performance Capture of Challenging Scenes [Dou et al.]</a:t>
+              <a:t>Planned</a:t>
             </a:r>
           </a:p>
           <a:p>
@@ -11613,72 +9584,235 @@
                 <a:latin typeface="Calibri"/>
                 <a:cs typeface="Calibri" pitchFamily="2"/>
               </a:rPr>
-              <a:t>TODO Add shot description and images, core idea	</a:t>
+              <a:t>OpenGL and GLFW</a:t>
             </a:r>
           </a:p>
           <a:p>
-            <a:pPr marL="0" lvl="0" indent="0">
+            <a:pPr marL="0" lvl="2" indent="0">
               <a:lnSpc>
                 <a:spcPct val="100000"/>
               </a:lnSpc>
               <a:spcBef>
                 <a:spcPts val="1417"/>
               </a:spcBef>
-              <a:buNone/>
+              <a:buSzPct val="45000"/>
+              <a:buFont typeface="StarSymbol"/>
+              <a:buChar char="●"/>
             </a:pPr>
-            <a:endParaRPr lang="de-DE">
-              <a:solidFill>
-                <a:srgbClr val="000000"/>
-              </a:solidFill>
-              <a:highlight>
-                <a:scrgbClr r="0" g="0" b="0">
-                  <a:alpha val="0"/>
-                </a:scrgbClr>
-              </a:highlight>
-              <a:latin typeface="Calibri"/>
-              <a:cs typeface="Calibri" pitchFamily="2"/>
-            </a:endParaRPr>
+            <a:r>
+              <a:rPr lang="de-DE" sz="2800">
+                <a:solidFill>
+                  <a:srgbClr val="000000"/>
+                </a:solidFill>
+                <a:highlight>
+                  <a:scrgbClr r="0" g="0" b="0">
+                    <a:alpha val="0"/>
+                  </a:scrgbClr>
+                </a:highlight>
+                <a:latin typeface="Calibri"/>
+                <a:cs typeface="Calibri" pitchFamily="2"/>
+              </a:rPr>
+              <a:t>Gather further knowledge over OpenGL and GLFW by doing the OpenGL tutorial</a:t>
+            </a:r>
+          </a:p>
+          <a:p>
+            <a:pPr marL="0" lvl="2" indent="0">
+              <a:lnSpc>
+                <a:spcPct val="100000"/>
+              </a:lnSpc>
+              <a:spcBef>
+                <a:spcPts val="1417"/>
+              </a:spcBef>
+              <a:buSzPct val="45000"/>
+              <a:buFont typeface="StarSymbol"/>
+              <a:buChar char="●"/>
+            </a:pPr>
+            <a:r>
+              <a:rPr lang="de-DE" sz="2800">
+                <a:solidFill>
+                  <a:srgbClr val="000000"/>
+                </a:solidFill>
+                <a:highlight>
+                  <a:scrgbClr r="0" g="0" b="0">
+                    <a:alpha val="0"/>
+                  </a:scrgbClr>
+                </a:highlight>
+                <a:latin typeface="Calibri"/>
+                <a:cs typeface="Calibri" pitchFamily="2"/>
+              </a:rPr>
+              <a:t>Improve the visualization program to render dynamically generated scenes</a:t>
+            </a:r>
+          </a:p>
+          <a:p>
+            <a:pPr marL="0" lvl="1" indent="0">
+              <a:lnSpc>
+                <a:spcPct val="100000"/>
+              </a:lnSpc>
+              <a:spcBef>
+                <a:spcPts val="1417"/>
+              </a:spcBef>
+              <a:buSzPct val="75000"/>
+              <a:buFont typeface="StarSymbol"/>
+              <a:buChar char="–"/>
+            </a:pPr>
+            <a:r>
+              <a:rPr lang="de-DE" sz="2800">
+                <a:solidFill>
+                  <a:srgbClr val="000000"/>
+                </a:solidFill>
+                <a:highlight>
+                  <a:scrgbClr r="0" g="0" b="0">
+                    <a:alpha val="0"/>
+                  </a:scrgbClr>
+                </a:highlight>
+                <a:latin typeface="Calibri"/>
+                <a:cs typeface="Calibri" pitchFamily="2"/>
+              </a:rPr>
+              <a:t>Intel RealSense SDK</a:t>
+            </a:r>
+          </a:p>
+          <a:p>
+            <a:pPr marL="0" lvl="2" indent="0">
+              <a:lnSpc>
+                <a:spcPct val="100000"/>
+              </a:lnSpc>
+              <a:spcBef>
+                <a:spcPts val="1417"/>
+              </a:spcBef>
+              <a:buSzPct val="45000"/>
+              <a:buFont typeface="StarSymbol"/>
+              <a:buChar char="●"/>
+            </a:pPr>
+            <a:r>
+              <a:rPr lang="de-DE" sz="2800">
+                <a:solidFill>
+                  <a:srgbClr val="000000"/>
+                </a:solidFill>
+                <a:highlight>
+                  <a:scrgbClr r="0" g="0" b="0">
+                    <a:alpha val="0"/>
+                  </a:scrgbClr>
+                </a:highlight>
+                <a:latin typeface="Calibri"/>
+                <a:cs typeface="Calibri" pitchFamily="2"/>
+              </a:rPr>
+              <a:t>Custom image pre/post-processing filters</a:t>
+            </a:r>
+          </a:p>
+          <a:p>
+            <a:pPr marL="0" lvl="1" indent="0">
+              <a:lnSpc>
+                <a:spcPct val="100000"/>
+              </a:lnSpc>
+              <a:spcBef>
+                <a:spcPts val="1417"/>
+              </a:spcBef>
+              <a:buSzPct val="75000"/>
+              <a:buFont typeface="StarSymbol"/>
+              <a:buChar char="–"/>
+            </a:pPr>
+            <a:r>
+              <a:rPr lang="de-DE" sz="2800">
+                <a:solidFill>
+                  <a:srgbClr val="000000"/>
+                </a:solidFill>
+                <a:highlight>
+                  <a:scrgbClr r="0" g="0" b="0">
+                    <a:alpha val="0"/>
+                  </a:scrgbClr>
+                </a:highlight>
+                <a:latin typeface="Calibri"/>
+                <a:cs typeface="Calibri" pitchFamily="2"/>
+              </a:rPr>
+              <a:t>Basic Setup &amp; Camera setup, Recordings, Visualization code</a:t>
+            </a:r>
+          </a:p>
+          <a:p>
+            <a:pPr marL="0" lvl="2" indent="0">
+              <a:lnSpc>
+                <a:spcPct val="100000"/>
+              </a:lnSpc>
+              <a:spcBef>
+                <a:spcPts val="1417"/>
+              </a:spcBef>
+              <a:buSzPct val="45000"/>
+              <a:buFont typeface="StarSymbol"/>
+              <a:buChar char="●"/>
+            </a:pPr>
+            <a:r>
+              <a:rPr lang="de-DE" sz="2800">
+                <a:solidFill>
+                  <a:srgbClr val="000000"/>
+                </a:solidFill>
+                <a:highlight>
+                  <a:scrgbClr r="0" g="0" b="0">
+                    <a:alpha val="0"/>
+                  </a:scrgbClr>
+                </a:highlight>
+                <a:latin typeface="Calibri"/>
+                <a:cs typeface="Calibri" pitchFamily="2"/>
+              </a:rPr>
+              <a:t>17.10. – 24.10.</a:t>
+            </a:r>
+          </a:p>
+          <a:p>
+            <a:pPr marL="0" lvl="1" indent="0">
+              <a:lnSpc>
+                <a:spcPct val="100000"/>
+              </a:lnSpc>
+              <a:spcBef>
+                <a:spcPts val="1417"/>
+              </a:spcBef>
+              <a:buSzPct val="75000"/>
+              <a:buFont typeface="StarSymbol"/>
+              <a:buChar char="–"/>
+            </a:pPr>
+            <a:r>
+              <a:rPr lang="de-DE" sz="2800">
+                <a:solidFill>
+                  <a:srgbClr val="000000"/>
+                </a:solidFill>
+                <a:highlight>
+                  <a:scrgbClr r="0" g="0" b="0">
+                    <a:alpha val="0"/>
+                  </a:scrgbClr>
+                </a:highlight>
+                <a:latin typeface="Calibri"/>
+                <a:cs typeface="Calibri" pitchFamily="2"/>
+              </a:rPr>
+              <a:t>Camera calibration</a:t>
+            </a:r>
+          </a:p>
+          <a:p>
+            <a:pPr marL="0" lvl="2" indent="0">
+              <a:lnSpc>
+                <a:spcPct val="100000"/>
+              </a:lnSpc>
+              <a:spcBef>
+                <a:spcPts val="1417"/>
+              </a:spcBef>
+              <a:buSzPct val="45000"/>
+              <a:buFont typeface="StarSymbol"/>
+              <a:buChar char="●"/>
+            </a:pPr>
+            <a:r>
+              <a:rPr lang="de-DE" sz="2800">
+                <a:solidFill>
+                  <a:srgbClr val="000000"/>
+                </a:solidFill>
+                <a:highlight>
+                  <a:scrgbClr r="0" g="0" b="0">
+                    <a:alpha val="0"/>
+                  </a:scrgbClr>
+                </a:highlight>
+                <a:latin typeface="Calibri"/>
+                <a:cs typeface="Calibri" pitchFamily="2"/>
+              </a:rPr>
+              <a:t>24.10. – 21.11</a:t>
+            </a:r>
           </a:p>
         </p:txBody>
       </p:sp>
-      <p:pic>
-        <p:nvPicPr>
-          <p:cNvPr id="4" name="Picture 4">
-            <a:extLst>
-              <a:ext uri="{FF2B5EF4-FFF2-40B4-BE49-F238E27FC236}">
-                <a16:creationId xmlns:a16="http://schemas.microsoft.com/office/drawing/2014/main" id="{1C694EE8-A36E-4926-8BF6-66723571961E}"/>
-              </a:ext>
-            </a:extLst>
-          </p:cNvPr>
-          <p:cNvPicPr>
-            <a:picLocks noChangeAspect="1"/>
-          </p:cNvPicPr>
-          <p:nvPr/>
-        </p:nvPicPr>
-        <p:blipFill>
-          <a:blip r:embed="rId3">
-            <a:lum/>
-            <a:alphaModFix/>
-          </a:blip>
-          <a:srcRect/>
-          <a:stretch>
-            <a:fillRect/>
-          </a:stretch>
-        </p:blipFill>
-        <p:spPr>
-          <a:xfrm>
-            <a:off x="7160040" y="920159"/>
-            <a:ext cx="4658400" cy="5017320"/>
-          </a:xfrm>
-          <a:prstGeom prst="rect">
-            <a:avLst/>
-          </a:prstGeom>
-          <a:noFill/>
-          <a:ln>
-            <a:noFill/>
-          </a:ln>
-        </p:spPr>
-      </p:pic>
     </p:spTree>
   </p:cSld>
   <p:clrMapOvr>
